--- a/RegularExam/03/화면 설계_김동근.pptx
+++ b/RegularExam/03/화면 설계_김동근.pptx
@@ -5,7 +5,7 @@
     <p:sldMasterId id="2147483648" r:id="rId1"/>
   </p:sldMasterIdLst>
   <p:notesMasterIdLst>
-    <p:notesMasterId r:id="rId11"/>
+    <p:notesMasterId r:id="rId12"/>
   </p:notesMasterIdLst>
   <p:sldIdLst>
     <p:sldId id="256" r:id="rId2"/>
@@ -16,7 +16,8 @@
     <p:sldId id="276" r:id="rId7"/>
     <p:sldId id="280" r:id="rId8"/>
     <p:sldId id="281" r:id="rId9"/>
-    <p:sldId id="278" r:id="rId10"/>
+    <p:sldId id="282" r:id="rId10"/>
+    <p:sldId id="278" r:id="rId11"/>
   </p:sldIdLst>
   <p:sldSz cx="9144000" cy="5143500" type="screen16x9"/>
   <p:notesSz cx="6858000" cy="9144000"/>
@@ -265,7 +266,7 @@
       </p15:sldGuideLst>
     </p:ext>
     <p:ext uri="http://customooxmlschemas.google.com/">
-      <go:slidesCustomData xmlns="" xmlns:mc="http://schemas.openxmlformats.org/markup-compatibility/2006" xmlns:mv="urn:schemas-microsoft-com:mac:vml" xmlns:c="http://schemas.openxmlformats.org/drawingml/2006/chart" xmlns:dgm="http://schemas.openxmlformats.org/drawingml/2006/diagram" xmlns:o="urn:schemas-microsoft-com:office:office" xmlns:v="urn:schemas-microsoft-com:vml" xmlns:pvml="urn:schemas-microsoft-com:office:powerpoint" xmlns:com="http://schemas.openxmlformats.org/drawingml/2006/compatibility" xmlns:p14="http://schemas.microsoft.com/office/powerpoint/2010/main" xmlns:p15="http://schemas.microsoft.com/office/powerpoint/2012/main" xmlns:ahyp="http://schemas.microsoft.com/office/drawing/2018/hyperlinkcolor" xmlns:go="http://customooxmlschemas.google.com/" r:id="rId20" roundtripDataSignature="AMtx7mgKLaA63WADqDsYhnMZfjVPdvtNPQ=="/>
+      <go:slidesCustomData xmlns:go="http://customooxmlschemas.google.com/" xmlns:ahyp="http://schemas.microsoft.com/office/drawing/2018/hyperlinkcolor" xmlns:p15="http://schemas.microsoft.com/office/powerpoint/2012/main" xmlns:p14="http://schemas.microsoft.com/office/powerpoint/2010/main" xmlns:com="http://schemas.openxmlformats.org/drawingml/2006/compatibility" xmlns:pvml="urn:schemas-microsoft-com:office:powerpoint" xmlns:v="urn:schemas-microsoft-com:vml" xmlns:o="urn:schemas-microsoft-com:office:office" xmlns:dgm="http://schemas.openxmlformats.org/drawingml/2006/diagram" xmlns:c="http://schemas.openxmlformats.org/drawingml/2006/chart" xmlns:mv="urn:schemas-microsoft-com:mac:vml" xmlns:mc="http://schemas.openxmlformats.org/markup-compatibility/2006" xmlns="" r:id="rId20" roundtripDataSignature="AMtx7mgKLaA63WADqDsYhnMZfjVPdvtNPQ=="/>
     </p:ext>
   </p:extLst>
 </p:presentation>
@@ -1059,6 +1060,223 @@
 </p:notes>
 </file>
 
+<file path=ppt/notesSlides/notesSlide10.xml><?xml version="1.0" encoding="utf-8"?>
+<p:notes xmlns:a="http://schemas.openxmlformats.org/drawingml/2006/main" xmlns:r="http://schemas.openxmlformats.org/officeDocument/2006/relationships" xmlns:p="http://schemas.openxmlformats.org/presentationml/2006/main" showMasterSp="0" showMasterPhAnim="0">
+  <p:cSld>
+    <p:spTree>
+      <p:nvGrpSpPr>
+        <p:cNvPr id="1" name="Shape 162"/>
+        <p:cNvGrpSpPr/>
+        <p:nvPr/>
+      </p:nvGrpSpPr>
+      <p:grpSpPr>
+        <a:xfrm>
+          <a:off x="0" y="0"/>
+          <a:ext cx="0" cy="0"/>
+          <a:chOff x="0" y="0"/>
+          <a:chExt cx="0" cy="0"/>
+        </a:xfrm>
+      </p:grpSpPr>
+      <p:sp>
+        <p:nvSpPr>
+          <p:cNvPr id="163" name="Google Shape;163;p3:notes"/>
+          <p:cNvSpPr>
+            <a:spLocks noGrp="1" noRot="1" noChangeAspect="1"/>
+          </p:cNvSpPr>
+          <p:nvPr>
+            <p:ph type="sldImg" idx="2"/>
+          </p:nvPr>
+        </p:nvSpPr>
+        <p:spPr>
+          <a:xfrm>
+            <a:off x="381000" y="685800"/>
+            <a:ext cx="6096000" cy="3429000"/>
+          </a:xfrm>
+          <a:custGeom>
+            <a:avLst/>
+            <a:gdLst/>
+            <a:ahLst/>
+            <a:cxnLst/>
+            <a:rect l="l" t="t" r="r" b="b"/>
+            <a:pathLst>
+              <a:path w="120000" h="120000" extrusionOk="0">
+                <a:moveTo>
+                  <a:pt x="0" y="0"/>
+                </a:moveTo>
+                <a:lnTo>
+                  <a:pt x="120000" y="0"/>
+                </a:lnTo>
+                <a:lnTo>
+                  <a:pt x="120000" y="120000"/>
+                </a:lnTo>
+                <a:lnTo>
+                  <a:pt x="0" y="120000"/>
+                </a:lnTo>
+                <a:close/>
+              </a:path>
+            </a:pathLst>
+          </a:custGeom>
+          <a:noFill/>
+          <a:ln w="12700" cap="flat" cmpd="sng">
+            <a:solidFill>
+              <a:srgbClr val="000000"/>
+            </a:solidFill>
+            <a:prstDash val="solid"/>
+            <a:round/>
+            <a:headEnd type="none" w="sm" len="sm"/>
+            <a:tailEnd type="none" w="sm" len="sm"/>
+          </a:ln>
+        </p:spPr>
+      </p:sp>
+      <p:sp>
+        <p:nvSpPr>
+          <p:cNvPr id="164" name="Google Shape;164;p3:notes"/>
+          <p:cNvSpPr txBox="1">
+            <a:spLocks noGrp="1"/>
+          </p:cNvSpPr>
+          <p:nvPr>
+            <p:ph type="body" idx="1"/>
+          </p:nvPr>
+        </p:nvSpPr>
+        <p:spPr>
+          <a:xfrm>
+            <a:off x="685800" y="4343400"/>
+            <a:ext cx="5486400" cy="4114800"/>
+          </a:xfrm>
+          <a:prstGeom prst="rect">
+            <a:avLst/>
+          </a:prstGeom>
+          <a:noFill/>
+          <a:ln>
+            <a:noFill/>
+          </a:ln>
+        </p:spPr>
+        <p:txBody>
+          <a:bodyPr spcFirstLastPara="1" wrap="square" lIns="91425" tIns="45700" rIns="91425" bIns="45700" anchor="t" anchorCtr="0">
+            <a:noAutofit/>
+          </a:bodyPr>
+          <a:lstStyle/>
+          <a:p>
+            <a:pPr marL="0" marR="0" lvl="0" indent="0" algn="l" rtl="0">
+              <a:lnSpc>
+                <a:spcPct val="100000"/>
+              </a:lnSpc>
+              <a:spcBef>
+                <a:spcPts val="0"/>
+              </a:spcBef>
+              <a:spcAft>
+                <a:spcPts val="0"/>
+              </a:spcAft>
+              <a:buClr>
+                <a:schemeClr val="dk1"/>
+              </a:buClr>
+              <a:buSzPts val="1200"/>
+              <a:buFont typeface="Malgun Gothic"/>
+              <a:buNone/>
+            </a:pPr>
+            <a:endParaRPr sz="1200"/>
+          </a:p>
+          <a:p>
+            <a:pPr marL="0" lvl="0" indent="0" algn="l" rtl="0">
+              <a:lnSpc>
+                <a:spcPct val="100000"/>
+              </a:lnSpc>
+              <a:spcBef>
+                <a:spcPts val="0"/>
+              </a:spcBef>
+              <a:spcAft>
+                <a:spcPts val="0"/>
+              </a:spcAft>
+              <a:buSzPts val="1100"/>
+              <a:buNone/>
+            </a:pPr>
+            <a:endParaRPr/>
+          </a:p>
+        </p:txBody>
+      </p:sp>
+      <p:sp>
+        <p:nvSpPr>
+          <p:cNvPr id="165" name="Google Shape;165;p3:notes"/>
+          <p:cNvSpPr txBox="1">
+            <a:spLocks noGrp="1"/>
+          </p:cNvSpPr>
+          <p:nvPr>
+            <p:ph type="sldNum" idx="12"/>
+          </p:nvPr>
+        </p:nvSpPr>
+        <p:spPr>
+          <a:xfrm>
+            <a:off x="3884613" y="8685213"/>
+            <a:ext cx="2971800" cy="457200"/>
+          </a:xfrm>
+          <a:prstGeom prst="rect">
+            <a:avLst/>
+          </a:prstGeom>
+          <a:noFill/>
+          <a:ln>
+            <a:noFill/>
+          </a:ln>
+        </p:spPr>
+        <p:txBody>
+          <a:bodyPr spcFirstLastPara="1" wrap="square" lIns="91425" tIns="45700" rIns="91425" bIns="45700" anchor="b" anchorCtr="0">
+            <a:noAutofit/>
+          </a:bodyPr>
+          <a:lstStyle/>
+          <a:p>
+            <a:pPr marL="0" marR="0" lvl="0" indent="0" algn="r" rtl="0">
+              <a:lnSpc>
+                <a:spcPct val="100000"/>
+              </a:lnSpc>
+              <a:spcBef>
+                <a:spcPts val="0"/>
+              </a:spcBef>
+              <a:spcAft>
+                <a:spcPts val="0"/>
+              </a:spcAft>
+              <a:buClr>
+                <a:srgbClr val="000000"/>
+              </a:buClr>
+              <a:buSzPts val="1400"/>
+              <a:buFont typeface="Arial"/>
+              <a:buNone/>
+            </a:pPr>
+            <a:fld id="{00000000-1234-1234-1234-123412341234}" type="slidenum">
+              <a:rPr lang="en-US" altLang="ko" sz="1400" b="0" i="0" u="none" strike="noStrike" cap="none">
+                <a:solidFill>
+                  <a:srgbClr val="000000"/>
+                </a:solidFill>
+                <a:latin typeface="Arial"/>
+                <a:ea typeface="Arial"/>
+                <a:cs typeface="Arial"/>
+                <a:sym typeface="Arial"/>
+              </a:rPr>
+              <a:t>10</a:t>
+            </a:fld>
+            <a:endParaRPr sz="1400" b="0" i="0" u="none" strike="noStrike" cap="none">
+              <a:solidFill>
+                <a:srgbClr val="000000"/>
+              </a:solidFill>
+              <a:latin typeface="Arial"/>
+              <a:ea typeface="Arial"/>
+              <a:cs typeface="Arial"/>
+              <a:sym typeface="Arial"/>
+            </a:endParaRPr>
+          </a:p>
+        </p:txBody>
+      </p:sp>
+    </p:spTree>
+    <p:extLst>
+      <p:ext uri="{BB962C8B-B14F-4D97-AF65-F5344CB8AC3E}">
+        <p14:creationId xmlns:p14="http://schemas.microsoft.com/office/powerpoint/2010/main" val="777821045"/>
+      </p:ext>
+    </p:extLst>
+  </p:cSld>
+  <p:clrMapOvr>
+    <a:masterClrMapping/>
+  </p:clrMapOvr>
+</p:notes>
+</file>
+
 <file path=ppt/notesSlides/notesSlide2.xml><?xml version="1.0" encoding="utf-8"?>
 <p:notes xmlns:a="http://schemas.openxmlformats.org/drawingml/2006/main" xmlns:r="http://schemas.openxmlformats.org/officeDocument/2006/relationships" xmlns:p="http://schemas.openxmlformats.org/presentationml/2006/main" showMasterSp="0" showMasterPhAnim="0">
   <p:cSld>
@@ -2780,7 +2998,7 @@
     </p:spTree>
     <p:extLst>
       <p:ext uri="{BB962C8B-B14F-4D97-AF65-F5344CB8AC3E}">
-        <p14:creationId xmlns:p14="http://schemas.microsoft.com/office/powerpoint/2010/main" val="777821045"/>
+        <p14:creationId xmlns:p14="http://schemas.microsoft.com/office/powerpoint/2010/main" val="1299854386"/>
       </p:ext>
     </p:extLst>
   </p:cSld>
@@ -16703,6 +16921,967 @@
 </p:sld>
 </file>
 
+<file path=ppt/slides/slide10.xml><?xml version="1.0" encoding="utf-8"?>
+<p:sld xmlns:a="http://schemas.openxmlformats.org/drawingml/2006/main" xmlns:r="http://schemas.openxmlformats.org/officeDocument/2006/relationships" xmlns:p="http://schemas.openxmlformats.org/presentationml/2006/main">
+  <p:cSld>
+    <p:spTree>
+      <p:nvGrpSpPr>
+        <p:cNvPr id="1" name="Shape 166"/>
+        <p:cNvGrpSpPr/>
+        <p:nvPr/>
+      </p:nvGrpSpPr>
+      <p:grpSpPr>
+        <a:xfrm>
+          <a:off x="0" y="0"/>
+          <a:ext cx="0" cy="0"/>
+          <a:chOff x="0" y="0"/>
+          <a:chExt cx="0" cy="0"/>
+        </a:xfrm>
+      </p:grpSpPr>
+      <p:sp>
+        <p:nvSpPr>
+          <p:cNvPr id="167" name="Google Shape;167;p3"/>
+          <p:cNvSpPr/>
+          <p:nvPr/>
+        </p:nvSpPr>
+        <p:spPr>
+          <a:xfrm>
+            <a:off x="1" y="0"/>
+            <a:ext cx="9143999" cy="5143500"/>
+          </a:xfrm>
+          <a:prstGeom prst="rect">
+            <a:avLst/>
+          </a:prstGeom>
+          <a:solidFill>
+            <a:srgbClr val="F0F0F0"/>
+          </a:solidFill>
+          <a:ln>
+            <a:noFill/>
+          </a:ln>
+        </p:spPr>
+        <p:txBody>
+          <a:bodyPr spcFirstLastPara="1" wrap="square" lIns="91425" tIns="45700" rIns="91425" bIns="45700" anchor="ctr" anchorCtr="0">
+            <a:noAutofit/>
+          </a:bodyPr>
+          <a:lstStyle/>
+          <a:p>
+            <a:pPr marL="0" marR="0" lvl="0" indent="0" rtl="0">
+              <a:lnSpc>
+                <a:spcPct val="100000"/>
+              </a:lnSpc>
+              <a:spcBef>
+                <a:spcPts val="0"/>
+              </a:spcBef>
+              <a:spcAft>
+                <a:spcPts val="0"/>
+              </a:spcAft>
+              <a:buClr>
+                <a:srgbClr val="000000"/>
+              </a:buClr>
+              <a:buSzPts val="1800"/>
+              <a:buFont typeface="Arial"/>
+              <a:buNone/>
+            </a:pPr>
+            <a:endParaRPr sz="1800" b="0" i="0" u="none" strike="noStrike" cap="none" dirty="0">
+              <a:solidFill>
+                <a:schemeClr val="lt1"/>
+              </a:solidFill>
+              <a:latin typeface="Malgun Gothic"/>
+              <a:ea typeface="Malgun Gothic"/>
+              <a:cs typeface="Malgun Gothic"/>
+              <a:sym typeface="Malgun Gothic"/>
+            </a:endParaRPr>
+          </a:p>
+        </p:txBody>
+      </p:sp>
+      <p:sp>
+        <p:nvSpPr>
+          <p:cNvPr id="15" name="Google Shape;130;p1"/>
+          <p:cNvSpPr txBox="1"/>
+          <p:nvPr/>
+        </p:nvSpPr>
+        <p:spPr>
+          <a:xfrm>
+            <a:off x="4572000" y="388676"/>
+            <a:ext cx="4488238" cy="4618571"/>
+          </a:xfrm>
+          <a:prstGeom prst="rect">
+            <a:avLst/>
+          </a:prstGeom>
+          <a:noFill/>
+          <a:ln>
+            <a:noFill/>
+          </a:ln>
+        </p:spPr>
+        <p:txBody>
+          <a:bodyPr spcFirstLastPara="1" wrap="square" lIns="91425" tIns="45700" rIns="91425" bIns="45700" anchor="t" anchorCtr="0">
+            <a:noAutofit/>
+          </a:bodyPr>
+          <a:lstStyle/>
+          <a:p>
+            <a:pPr marL="0" marR="0" lvl="0" indent="0" algn="ctr" rtl="0">
+              <a:lnSpc>
+                <a:spcPct val="100000"/>
+              </a:lnSpc>
+              <a:spcBef>
+                <a:spcPts val="0"/>
+              </a:spcBef>
+              <a:spcAft>
+                <a:spcPts val="0"/>
+              </a:spcAft>
+              <a:buClr>
+                <a:srgbClr val="000000"/>
+              </a:buClr>
+              <a:buSzPts val="4400"/>
+              <a:buFont typeface="Arial"/>
+              <a:buNone/>
+            </a:pPr>
+            <a:r>
+              <a:rPr lang="ko-KR" altLang="en-US" sz="2800" b="1" dirty="0" smtClean="0">
+                <a:solidFill>
+                  <a:srgbClr val="6A7B8B"/>
+                </a:solidFill>
+                <a:latin typeface="Malgun Gothic"/>
+                <a:ea typeface="Malgun Gothic"/>
+                <a:cs typeface="Malgun Gothic"/>
+                <a:sym typeface="Malgun Gothic"/>
+              </a:rPr>
+              <a:t>정기 수행 평가</a:t>
+            </a:r>
+            <a:endParaRPr lang="en-US" altLang="ko-KR" sz="2800" b="1" dirty="0" smtClean="0">
+              <a:solidFill>
+                <a:srgbClr val="6A7B8B"/>
+              </a:solidFill>
+              <a:latin typeface="Malgun Gothic"/>
+              <a:ea typeface="Malgun Gothic"/>
+              <a:cs typeface="Malgun Gothic"/>
+              <a:sym typeface="Malgun Gothic"/>
+            </a:endParaRPr>
+          </a:p>
+          <a:p>
+            <a:pPr marL="0" marR="0" lvl="0" indent="0" algn="ctr" rtl="0">
+              <a:lnSpc>
+                <a:spcPct val="100000"/>
+              </a:lnSpc>
+              <a:spcBef>
+                <a:spcPts val="0"/>
+              </a:spcBef>
+              <a:spcAft>
+                <a:spcPts val="0"/>
+              </a:spcAft>
+              <a:buClr>
+                <a:srgbClr val="000000"/>
+              </a:buClr>
+              <a:buSzPts val="4400"/>
+              <a:buFont typeface="Arial"/>
+              <a:buNone/>
+            </a:pPr>
+            <a:endParaRPr lang="en-US" altLang="ko-KR" sz="2000" b="1" dirty="0" smtClean="0">
+              <a:solidFill>
+                <a:srgbClr val="6A7B8B"/>
+              </a:solidFill>
+              <a:latin typeface="Malgun Gothic"/>
+              <a:ea typeface="Malgun Gothic"/>
+              <a:cs typeface="Malgun Gothic"/>
+              <a:sym typeface="Malgun Gothic"/>
+            </a:endParaRPr>
+          </a:p>
+          <a:p>
+            <a:pPr marL="0" marR="0" lvl="0" indent="0" rtl="0">
+              <a:lnSpc>
+                <a:spcPct val="100000"/>
+              </a:lnSpc>
+              <a:spcBef>
+                <a:spcPts val="0"/>
+              </a:spcBef>
+              <a:spcAft>
+                <a:spcPts val="0"/>
+              </a:spcAft>
+              <a:buClr>
+                <a:srgbClr val="000000"/>
+              </a:buClr>
+              <a:buSzPts val="4400"/>
+              <a:buFont typeface="Arial"/>
+              <a:buNone/>
+            </a:pPr>
+            <a:r>
+              <a:rPr lang="en-US" sz="2000" b="1" dirty="0" smtClean="0">
+                <a:solidFill>
+                  <a:srgbClr val="6A7B8B"/>
+                </a:solidFill>
+                <a:latin typeface="Malgun Gothic"/>
+                <a:ea typeface="Malgun Gothic"/>
+                <a:cs typeface="Malgun Gothic"/>
+                <a:sym typeface="Malgun Gothic"/>
+              </a:rPr>
+              <a:t>0</a:t>
+            </a:r>
+            <a:r>
+              <a:rPr lang="en-US" altLang="ko-KR" sz="2000" b="1" dirty="0" smtClean="0">
+                <a:solidFill>
+                  <a:srgbClr val="6A7B8B"/>
+                </a:solidFill>
+                <a:latin typeface="Malgun Gothic"/>
+                <a:ea typeface="Malgun Gothic"/>
+                <a:cs typeface="Malgun Gothic"/>
+                <a:sym typeface="Malgun Gothic"/>
+              </a:rPr>
+              <a:t>3</a:t>
+            </a:r>
+            <a:r>
+              <a:rPr lang="en-US" sz="2000" b="1" dirty="0" smtClean="0">
+                <a:solidFill>
+                  <a:srgbClr val="6A7B8B"/>
+                </a:solidFill>
+                <a:latin typeface="Malgun Gothic"/>
+                <a:ea typeface="Malgun Gothic"/>
+                <a:cs typeface="Malgun Gothic"/>
+                <a:sym typeface="Malgun Gothic"/>
+              </a:rPr>
+              <a:t>.</a:t>
+            </a:r>
+            <a:r>
+              <a:rPr lang="ko-KR" altLang="en-US" sz="2000" b="1" dirty="0" smtClean="0">
+                <a:solidFill>
+                  <a:srgbClr val="6A7B8B"/>
+                </a:solidFill>
+                <a:latin typeface="Malgun Gothic"/>
+                <a:ea typeface="Malgun Gothic"/>
+                <a:cs typeface="Malgun Gothic"/>
+                <a:sym typeface="Malgun Gothic"/>
+              </a:rPr>
+              <a:t>화면 설계</a:t>
+            </a:r>
+            <a:endParaRPr lang="en-US" altLang="ko-KR" sz="2000" b="1" dirty="0" smtClean="0">
+              <a:solidFill>
+                <a:srgbClr val="6A7B8B"/>
+              </a:solidFill>
+              <a:latin typeface="Malgun Gothic"/>
+              <a:ea typeface="Malgun Gothic"/>
+              <a:cs typeface="Malgun Gothic"/>
+              <a:sym typeface="Malgun Gothic"/>
+            </a:endParaRPr>
+          </a:p>
+          <a:p>
+            <a:pPr marL="0" marR="0" lvl="0" indent="0" rtl="0">
+              <a:lnSpc>
+                <a:spcPct val="100000"/>
+              </a:lnSpc>
+              <a:spcBef>
+                <a:spcPts val="0"/>
+              </a:spcBef>
+              <a:spcAft>
+                <a:spcPts val="0"/>
+              </a:spcAft>
+              <a:buClr>
+                <a:srgbClr val="000000"/>
+              </a:buClr>
+              <a:buSzPts val="4400"/>
+              <a:buFont typeface="Arial"/>
+              <a:buNone/>
+            </a:pPr>
+            <a:r>
+              <a:rPr lang="en-US" sz="2000" b="1" dirty="0" smtClean="0">
+                <a:solidFill>
+                  <a:srgbClr val="6A7B8B"/>
+                </a:solidFill>
+                <a:latin typeface="Malgun Gothic"/>
+                <a:ea typeface="Malgun Gothic"/>
+                <a:cs typeface="Malgun Gothic"/>
+                <a:sym typeface="Malgun Gothic"/>
+              </a:rPr>
+              <a:t>     </a:t>
+            </a:r>
+            <a:r>
+              <a:rPr lang="en-US" altLang="ko-KR" sz="2000" b="1" dirty="0" smtClean="0">
+                <a:solidFill>
+                  <a:srgbClr val="6A7B8B"/>
+                </a:solidFill>
+                <a:latin typeface="Malgun Gothic"/>
+                <a:ea typeface="Malgun Gothic"/>
+                <a:cs typeface="Malgun Gothic"/>
+                <a:sym typeface="Malgun Gothic"/>
+              </a:rPr>
+              <a:t>Tour</a:t>
+            </a:r>
+            <a:endParaRPr lang="en-US" sz="2000" b="1" dirty="0">
+              <a:solidFill>
+                <a:srgbClr val="6A7B8B"/>
+              </a:solidFill>
+              <a:latin typeface="Malgun Gothic"/>
+              <a:ea typeface="Malgun Gothic"/>
+              <a:cs typeface="Malgun Gothic"/>
+              <a:sym typeface="Malgun Gothic"/>
+            </a:endParaRPr>
+          </a:p>
+          <a:p>
+            <a:pPr marL="0" marR="0" lvl="0" indent="0" rtl="0">
+              <a:lnSpc>
+                <a:spcPct val="100000"/>
+              </a:lnSpc>
+              <a:spcBef>
+                <a:spcPts val="0"/>
+              </a:spcBef>
+              <a:spcAft>
+                <a:spcPts val="0"/>
+              </a:spcAft>
+              <a:buClr>
+                <a:srgbClr val="000000"/>
+              </a:buClr>
+              <a:buSzPts val="4400"/>
+              <a:buFont typeface="Arial"/>
+              <a:buNone/>
+            </a:pPr>
+            <a:endParaRPr lang="en-US" sz="2000" b="1" dirty="0" smtClean="0">
+              <a:solidFill>
+                <a:srgbClr val="6A7B8B"/>
+              </a:solidFill>
+              <a:latin typeface="Malgun Gothic"/>
+              <a:ea typeface="Malgun Gothic"/>
+              <a:cs typeface="Malgun Gothic"/>
+              <a:sym typeface="Malgun Gothic"/>
+            </a:endParaRPr>
+          </a:p>
+          <a:p>
+            <a:pPr marL="0" marR="0" lvl="0" indent="0" rtl="0">
+              <a:lnSpc>
+                <a:spcPct val="100000"/>
+              </a:lnSpc>
+              <a:spcBef>
+                <a:spcPts val="0"/>
+              </a:spcBef>
+              <a:spcAft>
+                <a:spcPts val="0"/>
+              </a:spcAft>
+              <a:buClr>
+                <a:srgbClr val="000000"/>
+              </a:buClr>
+              <a:buSzPts val="4400"/>
+              <a:buFont typeface="Arial"/>
+              <a:buNone/>
+            </a:pPr>
+            <a:endParaRPr lang="en-US" sz="2000" b="1" dirty="0">
+              <a:solidFill>
+                <a:srgbClr val="6A7B8B"/>
+              </a:solidFill>
+              <a:latin typeface="Malgun Gothic"/>
+              <a:ea typeface="Malgun Gothic"/>
+              <a:cs typeface="Malgun Gothic"/>
+              <a:sym typeface="Malgun Gothic"/>
+            </a:endParaRPr>
+          </a:p>
+          <a:p>
+            <a:pPr marL="0" marR="0" lvl="0" indent="0" rtl="0">
+              <a:lnSpc>
+                <a:spcPct val="100000"/>
+              </a:lnSpc>
+              <a:spcBef>
+                <a:spcPts val="0"/>
+              </a:spcBef>
+              <a:spcAft>
+                <a:spcPts val="0"/>
+              </a:spcAft>
+              <a:buClr>
+                <a:srgbClr val="000000"/>
+              </a:buClr>
+              <a:buSzPts val="4400"/>
+              <a:buFont typeface="Arial"/>
+              <a:buNone/>
+            </a:pPr>
+            <a:endParaRPr lang="en-US" sz="2000" b="1" dirty="0" smtClean="0">
+              <a:solidFill>
+                <a:srgbClr val="6A7B8B"/>
+              </a:solidFill>
+              <a:latin typeface="Malgun Gothic"/>
+              <a:ea typeface="Malgun Gothic"/>
+              <a:cs typeface="Malgun Gothic"/>
+              <a:sym typeface="Malgun Gothic"/>
+            </a:endParaRPr>
+          </a:p>
+          <a:p>
+            <a:pPr marL="0" marR="0" lvl="0" indent="0" rtl="0">
+              <a:lnSpc>
+                <a:spcPct val="100000"/>
+              </a:lnSpc>
+              <a:spcBef>
+                <a:spcPts val="0"/>
+              </a:spcBef>
+              <a:spcAft>
+                <a:spcPts val="0"/>
+              </a:spcAft>
+              <a:buClr>
+                <a:srgbClr val="000000"/>
+              </a:buClr>
+              <a:buSzPts val="4400"/>
+              <a:buFont typeface="Arial"/>
+              <a:buNone/>
+            </a:pPr>
+            <a:endParaRPr lang="en-US" sz="2000" b="1" dirty="0">
+              <a:solidFill>
+                <a:srgbClr val="6A7B8B"/>
+              </a:solidFill>
+              <a:latin typeface="Malgun Gothic"/>
+              <a:ea typeface="Malgun Gothic"/>
+              <a:cs typeface="Malgun Gothic"/>
+              <a:sym typeface="Malgun Gothic"/>
+            </a:endParaRPr>
+          </a:p>
+          <a:p>
+            <a:pPr marL="0" marR="0" lvl="0" indent="0" rtl="0">
+              <a:lnSpc>
+                <a:spcPct val="100000"/>
+              </a:lnSpc>
+              <a:spcBef>
+                <a:spcPts val="0"/>
+              </a:spcBef>
+              <a:spcAft>
+                <a:spcPts val="0"/>
+              </a:spcAft>
+              <a:buClr>
+                <a:srgbClr val="000000"/>
+              </a:buClr>
+              <a:buSzPts val="4400"/>
+              <a:buFont typeface="Arial"/>
+              <a:buNone/>
+            </a:pPr>
+            <a:endParaRPr lang="en-US" sz="2000" b="1" dirty="0">
+              <a:solidFill>
+                <a:srgbClr val="6A7B8B"/>
+              </a:solidFill>
+              <a:latin typeface="Malgun Gothic"/>
+              <a:ea typeface="Malgun Gothic"/>
+              <a:cs typeface="Malgun Gothic"/>
+              <a:sym typeface="Malgun Gothic"/>
+            </a:endParaRPr>
+          </a:p>
+          <a:p>
+            <a:pPr marL="0" marR="0" lvl="0" indent="0" rtl="0">
+              <a:lnSpc>
+                <a:spcPct val="100000"/>
+              </a:lnSpc>
+              <a:spcBef>
+                <a:spcPts val="0"/>
+              </a:spcBef>
+              <a:spcAft>
+                <a:spcPts val="0"/>
+              </a:spcAft>
+              <a:buClr>
+                <a:srgbClr val="000000"/>
+              </a:buClr>
+              <a:buSzPts val="4400"/>
+              <a:buFont typeface="Arial"/>
+              <a:buNone/>
+            </a:pPr>
+            <a:endParaRPr lang="en-US" sz="2000" b="1" dirty="0" smtClean="0">
+              <a:solidFill>
+                <a:srgbClr val="6A7B8B"/>
+              </a:solidFill>
+              <a:latin typeface="Malgun Gothic"/>
+              <a:ea typeface="Malgun Gothic"/>
+              <a:cs typeface="Malgun Gothic"/>
+              <a:sym typeface="Malgun Gothic"/>
+            </a:endParaRPr>
+          </a:p>
+          <a:p>
+            <a:pPr marL="0" marR="0" lvl="0" indent="0" algn="r" rtl="0">
+              <a:lnSpc>
+                <a:spcPct val="100000"/>
+              </a:lnSpc>
+              <a:spcBef>
+                <a:spcPts val="0"/>
+              </a:spcBef>
+              <a:spcAft>
+                <a:spcPts val="0"/>
+              </a:spcAft>
+              <a:buClr>
+                <a:srgbClr val="000000"/>
+              </a:buClr>
+              <a:buSzPts val="4400"/>
+              <a:buFont typeface="Arial"/>
+              <a:buNone/>
+            </a:pPr>
+            <a:endParaRPr lang="en-US" altLang="ko-KR" sz="2000" b="1" i="0" u="none" strike="noStrike" cap="none" dirty="0" smtClean="0">
+              <a:solidFill>
+                <a:srgbClr val="6A7B8B"/>
+              </a:solidFill>
+              <a:latin typeface="Malgun Gothic"/>
+              <a:ea typeface="Malgun Gothic"/>
+              <a:cs typeface="Malgun Gothic"/>
+              <a:sym typeface="Malgun Gothic"/>
+            </a:endParaRPr>
+          </a:p>
+          <a:p>
+            <a:pPr marL="0" marR="0" lvl="0" indent="0" algn="r" rtl="0">
+              <a:lnSpc>
+                <a:spcPct val="100000"/>
+              </a:lnSpc>
+              <a:spcBef>
+                <a:spcPts val="0"/>
+              </a:spcBef>
+              <a:spcAft>
+                <a:spcPts val="0"/>
+              </a:spcAft>
+              <a:buClr>
+                <a:srgbClr val="000000"/>
+              </a:buClr>
+              <a:buSzPts val="4400"/>
+              <a:buFont typeface="Arial"/>
+              <a:buNone/>
+            </a:pPr>
+            <a:endParaRPr lang="en-US" altLang="ko-KR" sz="2000" b="1" i="0" u="none" strike="noStrike" cap="none" dirty="0" smtClean="0">
+              <a:solidFill>
+                <a:srgbClr val="6A7B8B"/>
+              </a:solidFill>
+              <a:latin typeface="Malgun Gothic"/>
+              <a:ea typeface="Malgun Gothic"/>
+              <a:cs typeface="Malgun Gothic"/>
+              <a:sym typeface="Malgun Gothic"/>
+            </a:endParaRPr>
+          </a:p>
+          <a:p>
+            <a:pPr marL="0" marR="0" lvl="0" indent="0" algn="r" rtl="0">
+              <a:lnSpc>
+                <a:spcPct val="100000"/>
+              </a:lnSpc>
+              <a:spcBef>
+                <a:spcPts val="0"/>
+              </a:spcBef>
+              <a:spcAft>
+                <a:spcPts val="0"/>
+              </a:spcAft>
+              <a:buClr>
+                <a:srgbClr val="000000"/>
+              </a:buClr>
+              <a:buSzPts val="4400"/>
+              <a:buFont typeface="Arial"/>
+              <a:buNone/>
+            </a:pPr>
+            <a:endParaRPr lang="en-US" altLang="ko-KR" sz="1600" b="1" dirty="0">
+              <a:solidFill>
+                <a:srgbClr val="6A7B8B"/>
+              </a:solidFill>
+              <a:latin typeface="Malgun Gothic"/>
+              <a:ea typeface="Malgun Gothic"/>
+              <a:cs typeface="Malgun Gothic"/>
+              <a:sym typeface="Malgun Gothic"/>
+            </a:endParaRPr>
+          </a:p>
+          <a:p>
+            <a:pPr marL="0" marR="0" lvl="0" indent="0" algn="r" rtl="0">
+              <a:lnSpc>
+                <a:spcPct val="100000"/>
+              </a:lnSpc>
+              <a:spcBef>
+                <a:spcPts val="0"/>
+              </a:spcBef>
+              <a:spcAft>
+                <a:spcPts val="0"/>
+              </a:spcAft>
+              <a:buClr>
+                <a:srgbClr val="000000"/>
+              </a:buClr>
+              <a:buSzPts val="4400"/>
+              <a:buFont typeface="Arial"/>
+              <a:buNone/>
+            </a:pPr>
+            <a:r>
+              <a:rPr lang="en-US" altLang="ko-KR" sz="1600" b="1" dirty="0" smtClean="0">
+                <a:solidFill>
+                  <a:srgbClr val="6A7B8B"/>
+                </a:solidFill>
+                <a:latin typeface="Malgun Gothic"/>
+                <a:ea typeface="Malgun Gothic"/>
+                <a:cs typeface="Malgun Gothic"/>
+                <a:sym typeface="Malgun Gothic"/>
+              </a:rPr>
+              <a:t>Kim Dong </a:t>
+            </a:r>
+            <a:r>
+              <a:rPr lang="en-US" altLang="ko-KR" sz="1600" b="1" dirty="0" err="1" smtClean="0">
+                <a:solidFill>
+                  <a:srgbClr val="6A7B8B"/>
+                </a:solidFill>
+                <a:latin typeface="Malgun Gothic"/>
+                <a:ea typeface="Malgun Gothic"/>
+                <a:cs typeface="Malgun Gothic"/>
+                <a:sym typeface="Malgun Gothic"/>
+              </a:rPr>
+              <a:t>Geun</a:t>
+            </a:r>
+            <a:endParaRPr lang="en-US" altLang="ko-KR" sz="1200" b="1" dirty="0" smtClean="0">
+              <a:solidFill>
+                <a:srgbClr val="6A7B8B"/>
+              </a:solidFill>
+              <a:latin typeface="Malgun Gothic"/>
+              <a:ea typeface="Malgun Gothic"/>
+              <a:cs typeface="Malgun Gothic"/>
+              <a:sym typeface="Malgun Gothic"/>
+            </a:endParaRPr>
+          </a:p>
+          <a:p>
+            <a:pPr marL="0" marR="0" lvl="0" indent="0" algn="r" rtl="0">
+              <a:lnSpc>
+                <a:spcPct val="100000"/>
+              </a:lnSpc>
+              <a:spcBef>
+                <a:spcPts val="0"/>
+              </a:spcBef>
+              <a:spcAft>
+                <a:spcPts val="0"/>
+              </a:spcAft>
+              <a:buClr>
+                <a:srgbClr val="000000"/>
+              </a:buClr>
+              <a:buSzPts val="4400"/>
+              <a:buFont typeface="Arial"/>
+              <a:buNone/>
+            </a:pPr>
+            <a:r>
+              <a:rPr lang="en-US" altLang="ko-KR" sz="1100" b="1" dirty="0" smtClean="0">
+                <a:solidFill>
+                  <a:srgbClr val="6A7B8B"/>
+                </a:solidFill>
+                <a:latin typeface="Malgun Gothic"/>
+                <a:ea typeface="Malgun Gothic"/>
+                <a:cs typeface="Malgun Gothic"/>
+                <a:sym typeface="Malgun Gothic"/>
+              </a:rPr>
+              <a:t>From </a:t>
+            </a:r>
+            <a:r>
+              <a:rPr lang="en-US" altLang="ko-KR" sz="1100" b="1" dirty="0" err="1" smtClean="0">
+                <a:solidFill>
+                  <a:srgbClr val="6A7B8B"/>
+                </a:solidFill>
+                <a:latin typeface="Malgun Gothic"/>
+                <a:ea typeface="Malgun Gothic"/>
+                <a:cs typeface="Malgun Gothic"/>
+                <a:sym typeface="Malgun Gothic"/>
+              </a:rPr>
+              <a:t>GreenAcademy</a:t>
+            </a:r>
+            <a:endParaRPr lang="en-US" altLang="ko-KR" sz="1100" b="1" dirty="0" smtClean="0">
+              <a:solidFill>
+                <a:srgbClr val="6A7B8B"/>
+              </a:solidFill>
+              <a:latin typeface="Malgun Gothic"/>
+              <a:ea typeface="Malgun Gothic"/>
+              <a:cs typeface="Malgun Gothic"/>
+              <a:sym typeface="Malgun Gothic"/>
+            </a:endParaRPr>
+          </a:p>
+          <a:p>
+            <a:pPr algn="r">
+              <a:buSzPts val="4400"/>
+            </a:pPr>
+            <a:r>
+              <a:rPr lang="en-US" altLang="ko-KR" sz="1100" b="1" dirty="0" smtClean="0">
+                <a:solidFill>
+                  <a:srgbClr val="6A7B8B"/>
+                </a:solidFill>
+                <a:latin typeface="Malgun Gothic"/>
+                <a:ea typeface="Malgun Gothic"/>
+                <a:cs typeface="Malgun Gothic"/>
+                <a:sym typeface="Malgun Gothic"/>
+              </a:rPr>
+              <a:t>2022.09.27</a:t>
+            </a:r>
+            <a:endParaRPr lang="en-US" altLang="ko-KR" sz="1100" b="1" dirty="0">
+              <a:solidFill>
+                <a:srgbClr val="6A7B8B"/>
+              </a:solidFill>
+              <a:latin typeface="Malgun Gothic"/>
+              <a:ea typeface="Malgun Gothic"/>
+              <a:cs typeface="Malgun Gothic"/>
+              <a:sym typeface="Malgun Gothic"/>
+            </a:endParaRPr>
+          </a:p>
+          <a:p>
+            <a:pPr marL="0" marR="0" lvl="0" indent="0" algn="r" rtl="0">
+              <a:lnSpc>
+                <a:spcPct val="100000"/>
+              </a:lnSpc>
+              <a:spcBef>
+                <a:spcPts val="0"/>
+              </a:spcBef>
+              <a:spcAft>
+                <a:spcPts val="0"/>
+              </a:spcAft>
+              <a:buClr>
+                <a:srgbClr val="000000"/>
+              </a:buClr>
+              <a:buSzPts val="4400"/>
+              <a:buFont typeface="Arial"/>
+              <a:buNone/>
+            </a:pPr>
+            <a:endParaRPr lang="en-US" altLang="ko-KR" sz="2000" b="1" i="0" u="none" strike="noStrike" cap="none" dirty="0" smtClean="0">
+              <a:solidFill>
+                <a:srgbClr val="6A7B8B"/>
+              </a:solidFill>
+              <a:latin typeface="Malgun Gothic"/>
+              <a:ea typeface="Malgun Gothic"/>
+              <a:cs typeface="Malgun Gothic"/>
+              <a:sym typeface="Malgun Gothic"/>
+            </a:endParaRPr>
+          </a:p>
+          <a:p>
+            <a:pPr marL="0" marR="0" lvl="0" indent="0" algn="r" rtl="0">
+              <a:lnSpc>
+                <a:spcPct val="100000"/>
+              </a:lnSpc>
+              <a:spcBef>
+                <a:spcPts val="0"/>
+              </a:spcBef>
+              <a:spcAft>
+                <a:spcPts val="0"/>
+              </a:spcAft>
+              <a:buClr>
+                <a:srgbClr val="000000"/>
+              </a:buClr>
+              <a:buSzPts val="4400"/>
+              <a:buFont typeface="Arial"/>
+              <a:buNone/>
+            </a:pPr>
+            <a:endParaRPr sz="2000" b="1" i="0" u="none" strike="noStrike" cap="none" dirty="0">
+              <a:solidFill>
+                <a:srgbClr val="6A7B8B"/>
+              </a:solidFill>
+              <a:latin typeface="Malgun Gothic"/>
+              <a:ea typeface="Malgun Gothic"/>
+              <a:cs typeface="Malgun Gothic"/>
+              <a:sym typeface="Malgun Gothic"/>
+            </a:endParaRPr>
+          </a:p>
+        </p:txBody>
+      </p:sp>
+      <p:pic>
+        <p:nvPicPr>
+          <p:cNvPr id="17" name="그림 16"/>
+          <p:cNvPicPr>
+            <a:picLocks noChangeAspect="1"/>
+          </p:cNvPicPr>
+          <p:nvPr/>
+        </p:nvPicPr>
+        <p:blipFill>
+          <a:blip r:embed="rId3"/>
+          <a:stretch>
+            <a:fillRect/>
+          </a:stretch>
+        </p:blipFill>
+        <p:spPr>
+          <a:xfrm>
+            <a:off x="-1" y="-1"/>
+            <a:ext cx="4315693" cy="5143501"/>
+          </a:xfrm>
+          <a:prstGeom prst="rect">
+            <a:avLst/>
+          </a:prstGeom>
+        </p:spPr>
+      </p:pic>
+      <p:sp>
+        <p:nvSpPr>
+          <p:cNvPr id="18" name="직사각형 17"/>
+          <p:cNvSpPr/>
+          <p:nvPr/>
+        </p:nvSpPr>
+        <p:spPr>
+          <a:xfrm>
+            <a:off x="0" y="0"/>
+            <a:ext cx="4315692" cy="5143500"/>
+          </a:xfrm>
+          <a:prstGeom prst="rect">
+            <a:avLst/>
+          </a:prstGeom>
+          <a:solidFill>
+            <a:srgbClr val="A6A6A6">
+              <a:alpha val="50000"/>
+            </a:srgbClr>
+          </a:solidFill>
+          <a:ln>
+            <a:noFill/>
+          </a:ln>
+        </p:spPr>
+        <p:style>
+          <a:lnRef idx="2">
+            <a:schemeClr val="accent1">
+              <a:shade val="50000"/>
+            </a:schemeClr>
+          </a:lnRef>
+          <a:fillRef idx="1">
+            <a:schemeClr val="accent1"/>
+          </a:fillRef>
+          <a:effectRef idx="0">
+            <a:schemeClr val="accent1"/>
+          </a:effectRef>
+          <a:fontRef idx="minor">
+            <a:schemeClr val="lt1"/>
+          </a:fontRef>
+        </p:style>
+        <p:txBody>
+          <a:bodyPr rtlCol="0" anchor="ctr"/>
+          <a:lstStyle/>
+          <a:p>
+            <a:pPr algn="ctr"/>
+            <a:endParaRPr lang="ko-KR" altLang="en-US"/>
+          </a:p>
+        </p:txBody>
+      </p:sp>
+      <p:cxnSp>
+        <p:nvCxnSpPr>
+          <p:cNvPr id="20" name="직선 연결선 19"/>
+          <p:cNvCxnSpPr/>
+          <p:nvPr/>
+        </p:nvCxnSpPr>
+        <p:spPr>
+          <a:xfrm>
+            <a:off x="1026575" y="2816708"/>
+            <a:ext cx="2132069" cy="0"/>
+          </a:xfrm>
+          <a:prstGeom prst="line">
+            <a:avLst/>
+          </a:prstGeom>
+          <a:ln w="12700">
+            <a:solidFill>
+              <a:srgbClr val="F0F0F0"/>
+            </a:solidFill>
+          </a:ln>
+        </p:spPr>
+        <p:style>
+          <a:lnRef idx="1">
+            <a:schemeClr val="accent1"/>
+          </a:lnRef>
+          <a:fillRef idx="0">
+            <a:schemeClr val="accent1"/>
+          </a:fillRef>
+          <a:effectRef idx="0">
+            <a:schemeClr val="accent1"/>
+          </a:effectRef>
+          <a:fontRef idx="minor">
+            <a:schemeClr val="tx1"/>
+          </a:fontRef>
+        </p:style>
+      </p:cxnSp>
+      <p:cxnSp>
+        <p:nvCxnSpPr>
+          <p:cNvPr id="21" name="직선 연결선 20"/>
+          <p:cNvCxnSpPr/>
+          <p:nvPr/>
+        </p:nvCxnSpPr>
+        <p:spPr>
+          <a:xfrm>
+            <a:off x="1026575" y="2126671"/>
+            <a:ext cx="2132069" cy="0"/>
+          </a:xfrm>
+          <a:prstGeom prst="line">
+            <a:avLst/>
+          </a:prstGeom>
+          <a:ln w="12700">
+            <a:solidFill>
+              <a:srgbClr val="F0F0F0"/>
+            </a:solidFill>
+          </a:ln>
+        </p:spPr>
+        <p:style>
+          <a:lnRef idx="1">
+            <a:schemeClr val="accent1"/>
+          </a:lnRef>
+          <a:fillRef idx="0">
+            <a:schemeClr val="accent1"/>
+          </a:fillRef>
+          <a:effectRef idx="0">
+            <a:schemeClr val="accent1"/>
+          </a:effectRef>
+          <a:fontRef idx="minor">
+            <a:schemeClr val="tx1"/>
+          </a:fontRef>
+        </p:style>
+      </p:cxnSp>
+      <p:sp>
+        <p:nvSpPr>
+          <p:cNvPr id="22" name="Google Shape;130;p1"/>
+          <p:cNvSpPr txBox="1"/>
+          <p:nvPr/>
+        </p:nvSpPr>
+        <p:spPr>
+          <a:xfrm>
+            <a:off x="991939" y="2183089"/>
+            <a:ext cx="2215389" cy="577200"/>
+          </a:xfrm>
+          <a:prstGeom prst="rect">
+            <a:avLst/>
+          </a:prstGeom>
+          <a:noFill/>
+          <a:ln>
+            <a:noFill/>
+          </a:ln>
+        </p:spPr>
+        <p:txBody>
+          <a:bodyPr spcFirstLastPara="1" wrap="square" lIns="91425" tIns="45700" rIns="91425" bIns="45700" anchor="t" anchorCtr="0">
+            <a:noAutofit/>
+          </a:bodyPr>
+          <a:lstStyle/>
+          <a:p>
+            <a:pPr marL="0" marR="0" lvl="0" indent="0" algn="ctr" rtl="0">
+              <a:lnSpc>
+                <a:spcPct val="100000"/>
+              </a:lnSpc>
+              <a:spcBef>
+                <a:spcPts val="0"/>
+              </a:spcBef>
+              <a:spcAft>
+                <a:spcPts val="0"/>
+              </a:spcAft>
+              <a:buClr>
+                <a:srgbClr val="000000"/>
+              </a:buClr>
+              <a:buSzPts val="4400"/>
+              <a:buFont typeface="Arial"/>
+              <a:buNone/>
+            </a:pPr>
+            <a:r>
+              <a:rPr lang="en-US" sz="2800" b="1" i="0" u="none" strike="noStrike" cap="none" dirty="0" smtClean="0">
+                <a:solidFill>
+                  <a:schemeClr val="lt1"/>
+                </a:solidFill>
+                <a:latin typeface="Malgun Gothic"/>
+                <a:ea typeface="Malgun Gothic"/>
+                <a:cs typeface="Malgun Gothic"/>
+                <a:sym typeface="Malgun Gothic"/>
+              </a:rPr>
+              <a:t>Thank you!</a:t>
+            </a:r>
+            <a:endParaRPr sz="2800" b="1" i="0" u="none" strike="noStrike" cap="none" dirty="0">
+              <a:solidFill>
+                <a:schemeClr val="lt1"/>
+              </a:solidFill>
+              <a:latin typeface="Malgun Gothic"/>
+              <a:ea typeface="Malgun Gothic"/>
+              <a:cs typeface="Malgun Gothic"/>
+              <a:sym typeface="Malgun Gothic"/>
+            </a:endParaRPr>
+          </a:p>
+        </p:txBody>
+      </p:sp>
+    </p:spTree>
+    <p:extLst>
+      <p:ext uri="{BB962C8B-B14F-4D97-AF65-F5344CB8AC3E}">
+        <p14:creationId xmlns:p14="http://schemas.microsoft.com/office/powerpoint/2010/main" val="3850209248"/>
+      </p:ext>
+    </p:extLst>
+  </p:cSld>
+  <p:clrMapOvr>
+    <a:masterClrMapping/>
+  </p:clrMapOvr>
+  <p:timing>
+    <p:tnLst>
+      <p:par>
+        <p:cTn id="1" dur="indefinite" restart="never" nodeType="tmRoot"/>
+      </p:par>
+    </p:tnLst>
+  </p:timing>
+</p:sld>
+</file>
+
 <file path=ppt/slides/slide2.xml><?xml version="1.0" encoding="utf-8"?>
 <p:sld xmlns:a="http://schemas.openxmlformats.org/drawingml/2006/main" xmlns:r="http://schemas.openxmlformats.org/officeDocument/2006/relationships" xmlns:p="http://schemas.openxmlformats.org/presentationml/2006/main">
   <p:cSld>
@@ -17114,7 +18293,7 @@
         </p:nvGrpSpPr>
         <p:grpSpPr>
           <a:xfrm>
-            <a:off x="4668407" y="1831551"/>
+            <a:off x="4668407" y="1608032"/>
             <a:ext cx="2726214" cy="863657"/>
             <a:chOff x="4648529" y="589974"/>
             <a:chExt cx="2726214" cy="863657"/>
@@ -17228,7 +18407,7 @@
         </p:nvGrpSpPr>
         <p:grpSpPr>
           <a:xfrm>
-            <a:off x="4668407" y="3256082"/>
+            <a:off x="4668407" y="2606817"/>
             <a:ext cx="1721131" cy="1079101"/>
             <a:chOff x="4648529" y="589974"/>
             <a:chExt cx="1721131" cy="1079101"/>
@@ -17264,11 +18443,6 @@
                 </a:rPr>
                 <a:t>3</a:t>
               </a:r>
-              <a:endParaRPr lang="en-US" altLang="ko-KR" sz="4800" b="1" dirty="0" smtClean="0">
-                <a:solidFill>
-                  <a:srgbClr val="6A7B8B"/>
-                </a:solidFill>
-              </a:endParaRPr>
             </a:p>
           </p:txBody>
         </p:sp>
@@ -17318,15 +18492,7 @@
                     <a:srgbClr val="6A7B8B"/>
                   </a:solidFill>
                 </a:rPr>
-                <a:t> </a:t>
-              </a:r>
-              <a:r>
-                <a:rPr lang="en-US" altLang="ko-KR" dirty="0" smtClean="0">
-                  <a:solidFill>
-                    <a:srgbClr val="6A7B8B"/>
-                  </a:solidFill>
-                </a:rPr>
-                <a:t>- </a:t>
+                <a:t> - </a:t>
               </a:r>
               <a:r>
                 <a:rPr lang="ko-KR" altLang="en-US" dirty="0" err="1" smtClean="0">
@@ -17377,6 +18543,136 @@
                   </a:solidFill>
                 </a:rPr>
                 <a:t>내부 코드</a:t>
+              </a:r>
+              <a:endParaRPr lang="en-US" altLang="ko-KR" dirty="0" smtClean="0">
+                <a:solidFill>
+                  <a:srgbClr val="6A7B8B"/>
+                </a:solidFill>
+              </a:endParaRPr>
+            </a:p>
+          </p:txBody>
+        </p:sp>
+      </p:grpSp>
+      <p:grpSp>
+        <p:nvGrpSpPr>
+          <p:cNvPr id="23" name="그룹 22"/>
+          <p:cNvGrpSpPr/>
+          <p:nvPr/>
+        </p:nvGrpSpPr>
+        <p:grpSpPr>
+          <a:xfrm>
+            <a:off x="4668407" y="3767931"/>
+            <a:ext cx="2402407" cy="863657"/>
+            <a:chOff x="4648529" y="589974"/>
+            <a:chExt cx="2402407" cy="863657"/>
+          </a:xfrm>
+        </p:grpSpPr>
+        <p:sp>
+          <p:nvSpPr>
+            <p:cNvPr id="24" name="TextBox 23"/>
+            <p:cNvSpPr txBox="1"/>
+            <p:nvPr/>
+          </p:nvSpPr>
+          <p:spPr>
+            <a:xfrm>
+              <a:off x="4648529" y="589974"/>
+              <a:ext cx="527709" cy="830997"/>
+            </a:xfrm>
+            <a:prstGeom prst="rect">
+              <a:avLst/>
+            </a:prstGeom>
+            <a:noFill/>
+          </p:spPr>
+          <p:txBody>
+            <a:bodyPr wrap="none" rtlCol="0">
+              <a:spAutoFit/>
+            </a:bodyPr>
+            <a:lstStyle/>
+            <a:p>
+              <a:r>
+                <a:rPr lang="en-US" altLang="ko-KR" sz="4800" b="1" dirty="0" smtClean="0">
+                  <a:solidFill>
+                    <a:srgbClr val="6A7B8B"/>
+                  </a:solidFill>
+                </a:rPr>
+                <a:t>4</a:t>
+              </a:r>
+              <a:endParaRPr lang="en-US" altLang="ko-KR" sz="4800" b="1" dirty="0" smtClean="0">
+                <a:solidFill>
+                  <a:srgbClr val="6A7B8B"/>
+                </a:solidFill>
+              </a:endParaRPr>
+            </a:p>
+          </p:txBody>
+        </p:sp>
+        <p:sp>
+          <p:nvSpPr>
+            <p:cNvPr id="25" name="TextBox 24"/>
+            <p:cNvSpPr txBox="1"/>
+            <p:nvPr/>
+          </p:nvSpPr>
+          <p:spPr>
+            <a:xfrm>
+              <a:off x="5258458" y="776523"/>
+              <a:ext cx="1792478" cy="677108"/>
+            </a:xfrm>
+            <a:prstGeom prst="rect">
+              <a:avLst/>
+            </a:prstGeom>
+            <a:noFill/>
+          </p:spPr>
+          <p:txBody>
+            <a:bodyPr wrap="none" rtlCol="0">
+              <a:spAutoFit/>
+            </a:bodyPr>
+            <a:lstStyle/>
+            <a:p>
+              <a:r>
+                <a:rPr lang="en-US" altLang="ko-KR" sz="2400" dirty="0" err="1" smtClean="0">
+                  <a:solidFill>
+                    <a:srgbClr val="6A7B8B"/>
+                  </a:solidFill>
+                </a:rPr>
+                <a:t>Github</a:t>
+              </a:r>
+              <a:r>
+                <a:rPr lang="en-US" altLang="ko-KR" sz="2400" dirty="0" smtClean="0">
+                  <a:solidFill>
+                    <a:srgbClr val="6A7B8B"/>
+                  </a:solidFill>
+                </a:rPr>
+                <a:t> </a:t>
+              </a:r>
+              <a:r>
+                <a:rPr lang="ko-KR" altLang="en-US" sz="2400" dirty="0" smtClean="0">
+                  <a:solidFill>
+                    <a:srgbClr val="6A7B8B"/>
+                  </a:solidFill>
+                </a:rPr>
+                <a:t>배포</a:t>
+              </a:r>
+              <a:endParaRPr lang="en-US" altLang="ko-KR" sz="2400" dirty="0" smtClean="0">
+                <a:solidFill>
+                  <a:srgbClr val="6A7B8B"/>
+                </a:solidFill>
+              </a:endParaRPr>
+            </a:p>
+            <a:p>
+              <a:r>
+                <a:rPr lang="en-US" altLang="ko-KR" dirty="0" smtClean="0">
+                  <a:solidFill>
+                    <a:srgbClr val="6A7B8B"/>
+                  </a:solidFill>
+                </a:rPr>
+                <a:t> - </a:t>
+              </a:r>
+              <a:r>
+                <a:rPr lang="ko-KR" altLang="en-US" dirty="0" smtClean="0">
+                  <a:solidFill>
+                    <a:srgbClr val="6A7B8B"/>
+                  </a:solidFill>
+                </a:rPr>
+                <a:t>실제 페이지</a:t>
               </a:r>
               <a:endParaRPr lang="en-US" altLang="ko-KR" dirty="0" smtClean="0">
                 <a:solidFill>
@@ -17849,7 +19145,7 @@
       </p:sp>
       <p:pic>
         <p:nvPicPr>
-          <p:cNvPr id="2" name="그림 1"/>
+          <p:cNvPr id="3" name="그림 2"/>
           <p:cNvPicPr>
             <a:picLocks noChangeAspect="1"/>
           </p:cNvPicPr>
@@ -17857,30 +19153,6 @@
         </p:nvPicPr>
         <p:blipFill>
           <a:blip r:embed="rId3"/>
-          <a:stretch>
-            <a:fillRect/>
-          </a:stretch>
-        </p:blipFill>
-        <p:spPr>
-          <a:xfrm>
-            <a:off x="355043" y="2333211"/>
-            <a:ext cx="2276475" cy="1485900"/>
-          </a:xfrm>
-          <a:prstGeom prst="rect">
-            <a:avLst/>
-          </a:prstGeom>
-        </p:spPr>
-      </p:pic>
-      <p:pic>
-        <p:nvPicPr>
-          <p:cNvPr id="3" name="그림 2"/>
-          <p:cNvPicPr>
-            <a:picLocks noChangeAspect="1"/>
-          </p:cNvPicPr>
-          <p:nvPr/>
-        </p:nvPicPr>
-        <p:blipFill>
-          <a:blip r:embed="rId4"/>
           <a:stretch>
             <a:fillRect/>
           </a:stretch>
@@ -17904,7 +19176,7 @@
           <p:nvPr/>
         </p:nvPicPr>
         <p:blipFill>
-          <a:blip r:embed="rId5"/>
+          <a:blip r:embed="rId4"/>
           <a:stretch>
             <a:fillRect/>
           </a:stretch>
@@ -17913,6 +19185,30 @@
           <a:xfrm>
             <a:off x="4397574" y="3570881"/>
             <a:ext cx="3629025" cy="771525"/>
+          </a:xfrm>
+          <a:prstGeom prst="rect">
+            <a:avLst/>
+          </a:prstGeom>
+        </p:spPr>
+      </p:pic>
+      <p:pic>
+        <p:nvPicPr>
+          <p:cNvPr id="4" name="그림 3"/>
+          <p:cNvPicPr>
+            <a:picLocks noChangeAspect="1"/>
+          </p:cNvPicPr>
+          <p:nvPr/>
+        </p:nvPicPr>
+        <p:blipFill>
+          <a:blip r:embed="rId5"/>
+          <a:stretch>
+            <a:fillRect/>
+          </a:stretch>
+        </p:blipFill>
+        <p:spPr>
+          <a:xfrm>
+            <a:off x="288368" y="2204335"/>
+            <a:ext cx="2343150" cy="1447800"/>
           </a:xfrm>
           <a:prstGeom prst="rect">
             <a:avLst/>
@@ -20753,790 +22049,23 @@
           </a:p>
         </p:txBody>
       </p:sp>
-      <p:sp>
-        <p:nvSpPr>
-          <p:cNvPr id="15" name="Google Shape;130;p1"/>
-          <p:cNvSpPr txBox="1"/>
-          <p:nvPr/>
-        </p:nvSpPr>
-        <p:spPr>
-          <a:xfrm>
-            <a:off x="4572000" y="388676"/>
-            <a:ext cx="4488238" cy="4618571"/>
-          </a:xfrm>
-          <a:prstGeom prst="rect">
-            <a:avLst/>
-          </a:prstGeom>
-          <a:noFill/>
-          <a:ln>
-            <a:noFill/>
-          </a:ln>
-        </p:spPr>
-        <p:txBody>
-          <a:bodyPr spcFirstLastPara="1" wrap="square" lIns="91425" tIns="45700" rIns="91425" bIns="45700" anchor="t" anchorCtr="0">
-            <a:noAutofit/>
-          </a:bodyPr>
-          <a:lstStyle/>
-          <a:p>
-            <a:pPr marL="0" marR="0" lvl="0" indent="0" algn="ctr" rtl="0">
-              <a:lnSpc>
-                <a:spcPct val="100000"/>
-              </a:lnSpc>
-              <a:spcBef>
-                <a:spcPts val="0"/>
-              </a:spcBef>
-              <a:spcAft>
-                <a:spcPts val="0"/>
-              </a:spcAft>
-              <a:buClr>
-                <a:srgbClr val="000000"/>
-              </a:buClr>
-              <a:buSzPts val="4400"/>
-              <a:buFont typeface="Arial"/>
-              <a:buNone/>
-            </a:pPr>
-            <a:r>
-              <a:rPr lang="ko-KR" altLang="en-US" sz="2800" b="1" dirty="0" smtClean="0">
-                <a:solidFill>
-                  <a:srgbClr val="6A7B8B"/>
-                </a:solidFill>
-                <a:latin typeface="Malgun Gothic"/>
-                <a:ea typeface="Malgun Gothic"/>
-                <a:cs typeface="Malgun Gothic"/>
-                <a:sym typeface="Malgun Gothic"/>
-              </a:rPr>
-              <a:t>정기 수행 평가</a:t>
-            </a:r>
-            <a:endParaRPr lang="en-US" altLang="ko-KR" sz="2800" b="1" dirty="0" smtClean="0">
-              <a:solidFill>
-                <a:srgbClr val="6A7B8B"/>
-              </a:solidFill>
-              <a:latin typeface="Malgun Gothic"/>
-              <a:ea typeface="Malgun Gothic"/>
-              <a:cs typeface="Malgun Gothic"/>
-              <a:sym typeface="Malgun Gothic"/>
-            </a:endParaRPr>
-          </a:p>
-          <a:p>
-            <a:pPr marL="0" marR="0" lvl="0" indent="0" algn="ctr" rtl="0">
-              <a:lnSpc>
-                <a:spcPct val="100000"/>
-              </a:lnSpc>
-              <a:spcBef>
-                <a:spcPts val="0"/>
-              </a:spcBef>
-              <a:spcAft>
-                <a:spcPts val="0"/>
-              </a:spcAft>
-              <a:buClr>
-                <a:srgbClr val="000000"/>
-              </a:buClr>
-              <a:buSzPts val="4400"/>
-              <a:buFont typeface="Arial"/>
-              <a:buNone/>
-            </a:pPr>
-            <a:endParaRPr lang="en-US" altLang="ko-KR" sz="2000" b="1" dirty="0" smtClean="0">
-              <a:solidFill>
-                <a:srgbClr val="6A7B8B"/>
-              </a:solidFill>
-              <a:latin typeface="Malgun Gothic"/>
-              <a:ea typeface="Malgun Gothic"/>
-              <a:cs typeface="Malgun Gothic"/>
-              <a:sym typeface="Malgun Gothic"/>
-            </a:endParaRPr>
-          </a:p>
-          <a:p>
-            <a:pPr marL="0" marR="0" lvl="0" indent="0" rtl="0">
-              <a:lnSpc>
-                <a:spcPct val="100000"/>
-              </a:lnSpc>
-              <a:spcBef>
-                <a:spcPts val="0"/>
-              </a:spcBef>
-              <a:spcAft>
-                <a:spcPts val="0"/>
-              </a:spcAft>
-              <a:buClr>
-                <a:srgbClr val="000000"/>
-              </a:buClr>
-              <a:buSzPts val="4400"/>
-              <a:buFont typeface="Arial"/>
-              <a:buNone/>
-            </a:pPr>
-            <a:r>
-              <a:rPr lang="en-US" sz="2000" b="1" dirty="0" smtClean="0">
-                <a:solidFill>
-                  <a:srgbClr val="6A7B8B"/>
-                </a:solidFill>
-                <a:latin typeface="Malgun Gothic"/>
-                <a:ea typeface="Malgun Gothic"/>
-                <a:cs typeface="Malgun Gothic"/>
-                <a:sym typeface="Malgun Gothic"/>
-              </a:rPr>
-              <a:t>0</a:t>
-            </a:r>
-            <a:r>
-              <a:rPr lang="en-US" altLang="ko-KR" sz="2000" b="1" dirty="0" smtClean="0">
-                <a:solidFill>
-                  <a:srgbClr val="6A7B8B"/>
-                </a:solidFill>
-                <a:latin typeface="Malgun Gothic"/>
-                <a:ea typeface="Malgun Gothic"/>
-                <a:cs typeface="Malgun Gothic"/>
-                <a:sym typeface="Malgun Gothic"/>
-              </a:rPr>
-              <a:t>3</a:t>
-            </a:r>
-            <a:r>
-              <a:rPr lang="en-US" sz="2000" b="1" dirty="0" smtClean="0">
-                <a:solidFill>
-                  <a:srgbClr val="6A7B8B"/>
-                </a:solidFill>
-                <a:latin typeface="Malgun Gothic"/>
-                <a:ea typeface="Malgun Gothic"/>
-                <a:cs typeface="Malgun Gothic"/>
-                <a:sym typeface="Malgun Gothic"/>
-              </a:rPr>
-              <a:t>.</a:t>
-            </a:r>
-            <a:r>
-              <a:rPr lang="ko-KR" altLang="en-US" sz="2000" b="1" dirty="0" smtClean="0">
-                <a:solidFill>
-                  <a:srgbClr val="6A7B8B"/>
-                </a:solidFill>
-                <a:latin typeface="Malgun Gothic"/>
-                <a:ea typeface="Malgun Gothic"/>
-                <a:cs typeface="Malgun Gothic"/>
-                <a:sym typeface="Malgun Gothic"/>
-              </a:rPr>
-              <a:t>화면 설계</a:t>
-            </a:r>
-            <a:endParaRPr lang="en-US" altLang="ko-KR" sz="2000" b="1" dirty="0" smtClean="0">
-              <a:solidFill>
-                <a:srgbClr val="6A7B8B"/>
-              </a:solidFill>
-              <a:latin typeface="Malgun Gothic"/>
-              <a:ea typeface="Malgun Gothic"/>
-              <a:cs typeface="Malgun Gothic"/>
-              <a:sym typeface="Malgun Gothic"/>
-            </a:endParaRPr>
-          </a:p>
-          <a:p>
-            <a:pPr marL="0" marR="0" lvl="0" indent="0" rtl="0">
-              <a:lnSpc>
-                <a:spcPct val="100000"/>
-              </a:lnSpc>
-              <a:spcBef>
-                <a:spcPts val="0"/>
-              </a:spcBef>
-              <a:spcAft>
-                <a:spcPts val="0"/>
-              </a:spcAft>
-              <a:buClr>
-                <a:srgbClr val="000000"/>
-              </a:buClr>
-              <a:buSzPts val="4400"/>
-              <a:buFont typeface="Arial"/>
-              <a:buNone/>
-            </a:pPr>
-            <a:r>
-              <a:rPr lang="en-US" sz="2000" b="1" dirty="0" smtClean="0">
-                <a:solidFill>
-                  <a:srgbClr val="6A7B8B"/>
-                </a:solidFill>
-                <a:latin typeface="Malgun Gothic"/>
-                <a:ea typeface="Malgun Gothic"/>
-                <a:cs typeface="Malgun Gothic"/>
-                <a:sym typeface="Malgun Gothic"/>
-              </a:rPr>
-              <a:t>     </a:t>
-            </a:r>
-            <a:r>
-              <a:rPr lang="en-US" altLang="ko-KR" sz="2000" b="1" dirty="0" smtClean="0">
-                <a:solidFill>
-                  <a:srgbClr val="6A7B8B"/>
-                </a:solidFill>
-                <a:latin typeface="Malgun Gothic"/>
-                <a:ea typeface="Malgun Gothic"/>
-                <a:cs typeface="Malgun Gothic"/>
-                <a:sym typeface="Malgun Gothic"/>
-              </a:rPr>
-              <a:t>Tour</a:t>
-            </a:r>
-            <a:endParaRPr lang="en-US" sz="2000" b="1" dirty="0">
-              <a:solidFill>
-                <a:srgbClr val="6A7B8B"/>
-              </a:solidFill>
-              <a:latin typeface="Malgun Gothic"/>
-              <a:ea typeface="Malgun Gothic"/>
-              <a:cs typeface="Malgun Gothic"/>
-              <a:sym typeface="Malgun Gothic"/>
-            </a:endParaRPr>
-          </a:p>
-          <a:p>
-            <a:pPr marL="0" marR="0" lvl="0" indent="0" rtl="0">
-              <a:lnSpc>
-                <a:spcPct val="100000"/>
-              </a:lnSpc>
-              <a:spcBef>
-                <a:spcPts val="0"/>
-              </a:spcBef>
-              <a:spcAft>
-                <a:spcPts val="0"/>
-              </a:spcAft>
-              <a:buClr>
-                <a:srgbClr val="000000"/>
-              </a:buClr>
-              <a:buSzPts val="4400"/>
-              <a:buFont typeface="Arial"/>
-              <a:buNone/>
-            </a:pPr>
-            <a:endParaRPr lang="en-US" sz="2000" b="1" dirty="0" smtClean="0">
-              <a:solidFill>
-                <a:srgbClr val="6A7B8B"/>
-              </a:solidFill>
-              <a:latin typeface="Malgun Gothic"/>
-              <a:ea typeface="Malgun Gothic"/>
-              <a:cs typeface="Malgun Gothic"/>
-              <a:sym typeface="Malgun Gothic"/>
-            </a:endParaRPr>
-          </a:p>
-          <a:p>
-            <a:pPr marL="0" marR="0" lvl="0" indent="0" rtl="0">
-              <a:lnSpc>
-                <a:spcPct val="100000"/>
-              </a:lnSpc>
-              <a:spcBef>
-                <a:spcPts val="0"/>
-              </a:spcBef>
-              <a:spcAft>
-                <a:spcPts val="0"/>
-              </a:spcAft>
-              <a:buClr>
-                <a:srgbClr val="000000"/>
-              </a:buClr>
-              <a:buSzPts val="4400"/>
-              <a:buFont typeface="Arial"/>
-              <a:buNone/>
-            </a:pPr>
-            <a:endParaRPr lang="en-US" sz="2000" b="1" dirty="0">
-              <a:solidFill>
-                <a:srgbClr val="6A7B8B"/>
-              </a:solidFill>
-              <a:latin typeface="Malgun Gothic"/>
-              <a:ea typeface="Malgun Gothic"/>
-              <a:cs typeface="Malgun Gothic"/>
-              <a:sym typeface="Malgun Gothic"/>
-            </a:endParaRPr>
-          </a:p>
-          <a:p>
-            <a:pPr marL="0" marR="0" lvl="0" indent="0" rtl="0">
-              <a:lnSpc>
-                <a:spcPct val="100000"/>
-              </a:lnSpc>
-              <a:spcBef>
-                <a:spcPts val="0"/>
-              </a:spcBef>
-              <a:spcAft>
-                <a:spcPts val="0"/>
-              </a:spcAft>
-              <a:buClr>
-                <a:srgbClr val="000000"/>
-              </a:buClr>
-              <a:buSzPts val="4400"/>
-              <a:buFont typeface="Arial"/>
-              <a:buNone/>
-            </a:pPr>
-            <a:endParaRPr lang="en-US" sz="2000" b="1" dirty="0" smtClean="0">
-              <a:solidFill>
-                <a:srgbClr val="6A7B8B"/>
-              </a:solidFill>
-              <a:latin typeface="Malgun Gothic"/>
-              <a:ea typeface="Malgun Gothic"/>
-              <a:cs typeface="Malgun Gothic"/>
-              <a:sym typeface="Malgun Gothic"/>
-            </a:endParaRPr>
-          </a:p>
-          <a:p>
-            <a:pPr marL="0" marR="0" lvl="0" indent="0" rtl="0">
-              <a:lnSpc>
-                <a:spcPct val="100000"/>
-              </a:lnSpc>
-              <a:spcBef>
-                <a:spcPts val="0"/>
-              </a:spcBef>
-              <a:spcAft>
-                <a:spcPts val="0"/>
-              </a:spcAft>
-              <a:buClr>
-                <a:srgbClr val="000000"/>
-              </a:buClr>
-              <a:buSzPts val="4400"/>
-              <a:buFont typeface="Arial"/>
-              <a:buNone/>
-            </a:pPr>
-            <a:endParaRPr lang="en-US" sz="2000" b="1" dirty="0">
-              <a:solidFill>
-                <a:srgbClr val="6A7B8B"/>
-              </a:solidFill>
-              <a:latin typeface="Malgun Gothic"/>
-              <a:ea typeface="Malgun Gothic"/>
-              <a:cs typeface="Malgun Gothic"/>
-              <a:sym typeface="Malgun Gothic"/>
-            </a:endParaRPr>
-          </a:p>
-          <a:p>
-            <a:pPr marL="0" marR="0" lvl="0" indent="0" rtl="0">
-              <a:lnSpc>
-                <a:spcPct val="100000"/>
-              </a:lnSpc>
-              <a:spcBef>
-                <a:spcPts val="0"/>
-              </a:spcBef>
-              <a:spcAft>
-                <a:spcPts val="0"/>
-              </a:spcAft>
-              <a:buClr>
-                <a:srgbClr val="000000"/>
-              </a:buClr>
-              <a:buSzPts val="4400"/>
-              <a:buFont typeface="Arial"/>
-              <a:buNone/>
-            </a:pPr>
-            <a:endParaRPr lang="en-US" sz="2000" b="1" dirty="0">
-              <a:solidFill>
-                <a:srgbClr val="6A7B8B"/>
-              </a:solidFill>
-              <a:latin typeface="Malgun Gothic"/>
-              <a:ea typeface="Malgun Gothic"/>
-              <a:cs typeface="Malgun Gothic"/>
-              <a:sym typeface="Malgun Gothic"/>
-            </a:endParaRPr>
-          </a:p>
-          <a:p>
-            <a:pPr marL="0" marR="0" lvl="0" indent="0" rtl="0">
-              <a:lnSpc>
-                <a:spcPct val="100000"/>
-              </a:lnSpc>
-              <a:spcBef>
-                <a:spcPts val="0"/>
-              </a:spcBef>
-              <a:spcAft>
-                <a:spcPts val="0"/>
-              </a:spcAft>
-              <a:buClr>
-                <a:srgbClr val="000000"/>
-              </a:buClr>
-              <a:buSzPts val="4400"/>
-              <a:buFont typeface="Arial"/>
-              <a:buNone/>
-            </a:pPr>
-            <a:endParaRPr lang="en-US" sz="2000" b="1" dirty="0" smtClean="0">
-              <a:solidFill>
-                <a:srgbClr val="6A7B8B"/>
-              </a:solidFill>
-              <a:latin typeface="Malgun Gothic"/>
-              <a:ea typeface="Malgun Gothic"/>
-              <a:cs typeface="Malgun Gothic"/>
-              <a:sym typeface="Malgun Gothic"/>
-            </a:endParaRPr>
-          </a:p>
-          <a:p>
-            <a:pPr marL="0" marR="0" lvl="0" indent="0" algn="r" rtl="0">
-              <a:lnSpc>
-                <a:spcPct val="100000"/>
-              </a:lnSpc>
-              <a:spcBef>
-                <a:spcPts val="0"/>
-              </a:spcBef>
-              <a:spcAft>
-                <a:spcPts val="0"/>
-              </a:spcAft>
-              <a:buClr>
-                <a:srgbClr val="000000"/>
-              </a:buClr>
-              <a:buSzPts val="4400"/>
-              <a:buFont typeface="Arial"/>
-              <a:buNone/>
-            </a:pPr>
-            <a:endParaRPr lang="en-US" altLang="ko-KR" sz="2000" b="1" i="0" u="none" strike="noStrike" cap="none" dirty="0" smtClean="0">
-              <a:solidFill>
-                <a:srgbClr val="6A7B8B"/>
-              </a:solidFill>
-              <a:latin typeface="Malgun Gothic"/>
-              <a:ea typeface="Malgun Gothic"/>
-              <a:cs typeface="Malgun Gothic"/>
-              <a:sym typeface="Malgun Gothic"/>
-            </a:endParaRPr>
-          </a:p>
-          <a:p>
-            <a:pPr marL="0" marR="0" lvl="0" indent="0" algn="r" rtl="0">
-              <a:lnSpc>
-                <a:spcPct val="100000"/>
-              </a:lnSpc>
-              <a:spcBef>
-                <a:spcPts val="0"/>
-              </a:spcBef>
-              <a:spcAft>
-                <a:spcPts val="0"/>
-              </a:spcAft>
-              <a:buClr>
-                <a:srgbClr val="000000"/>
-              </a:buClr>
-              <a:buSzPts val="4400"/>
-              <a:buFont typeface="Arial"/>
-              <a:buNone/>
-            </a:pPr>
-            <a:endParaRPr lang="en-US" altLang="ko-KR" sz="2000" b="1" i="0" u="none" strike="noStrike" cap="none" dirty="0" smtClean="0">
-              <a:solidFill>
-                <a:srgbClr val="6A7B8B"/>
-              </a:solidFill>
-              <a:latin typeface="Malgun Gothic"/>
-              <a:ea typeface="Malgun Gothic"/>
-              <a:cs typeface="Malgun Gothic"/>
-              <a:sym typeface="Malgun Gothic"/>
-            </a:endParaRPr>
-          </a:p>
-          <a:p>
-            <a:pPr marL="0" marR="0" lvl="0" indent="0" algn="r" rtl="0">
-              <a:lnSpc>
-                <a:spcPct val="100000"/>
-              </a:lnSpc>
-              <a:spcBef>
-                <a:spcPts val="0"/>
-              </a:spcBef>
-              <a:spcAft>
-                <a:spcPts val="0"/>
-              </a:spcAft>
-              <a:buClr>
-                <a:srgbClr val="000000"/>
-              </a:buClr>
-              <a:buSzPts val="4400"/>
-              <a:buFont typeface="Arial"/>
-              <a:buNone/>
-            </a:pPr>
-            <a:endParaRPr lang="en-US" altLang="ko-KR" sz="1600" b="1" dirty="0">
-              <a:solidFill>
-                <a:srgbClr val="6A7B8B"/>
-              </a:solidFill>
-              <a:latin typeface="Malgun Gothic"/>
-              <a:ea typeface="Malgun Gothic"/>
-              <a:cs typeface="Malgun Gothic"/>
-              <a:sym typeface="Malgun Gothic"/>
-            </a:endParaRPr>
-          </a:p>
-          <a:p>
-            <a:pPr marL="0" marR="0" lvl="0" indent="0" algn="r" rtl="0">
-              <a:lnSpc>
-                <a:spcPct val="100000"/>
-              </a:lnSpc>
-              <a:spcBef>
-                <a:spcPts val="0"/>
-              </a:spcBef>
-              <a:spcAft>
-                <a:spcPts val="0"/>
-              </a:spcAft>
-              <a:buClr>
-                <a:srgbClr val="000000"/>
-              </a:buClr>
-              <a:buSzPts val="4400"/>
-              <a:buFont typeface="Arial"/>
-              <a:buNone/>
-            </a:pPr>
-            <a:r>
-              <a:rPr lang="en-US" altLang="ko-KR" sz="1600" b="1" dirty="0" smtClean="0">
-                <a:solidFill>
-                  <a:srgbClr val="6A7B8B"/>
-                </a:solidFill>
-                <a:latin typeface="Malgun Gothic"/>
-                <a:ea typeface="Malgun Gothic"/>
-                <a:cs typeface="Malgun Gothic"/>
-                <a:sym typeface="Malgun Gothic"/>
-              </a:rPr>
-              <a:t>Kim Dong </a:t>
-            </a:r>
-            <a:r>
-              <a:rPr lang="en-US" altLang="ko-KR" sz="1600" b="1" dirty="0" err="1" smtClean="0">
-                <a:solidFill>
-                  <a:srgbClr val="6A7B8B"/>
-                </a:solidFill>
-                <a:latin typeface="Malgun Gothic"/>
-                <a:ea typeface="Malgun Gothic"/>
-                <a:cs typeface="Malgun Gothic"/>
-                <a:sym typeface="Malgun Gothic"/>
-              </a:rPr>
-              <a:t>Geun</a:t>
-            </a:r>
-            <a:endParaRPr lang="en-US" altLang="ko-KR" sz="1200" b="1" dirty="0" smtClean="0">
-              <a:solidFill>
-                <a:srgbClr val="6A7B8B"/>
-              </a:solidFill>
-              <a:latin typeface="Malgun Gothic"/>
-              <a:ea typeface="Malgun Gothic"/>
-              <a:cs typeface="Malgun Gothic"/>
-              <a:sym typeface="Malgun Gothic"/>
-            </a:endParaRPr>
-          </a:p>
-          <a:p>
-            <a:pPr marL="0" marR="0" lvl="0" indent="0" algn="r" rtl="0">
-              <a:lnSpc>
-                <a:spcPct val="100000"/>
-              </a:lnSpc>
-              <a:spcBef>
-                <a:spcPts val="0"/>
-              </a:spcBef>
-              <a:spcAft>
-                <a:spcPts val="0"/>
-              </a:spcAft>
-              <a:buClr>
-                <a:srgbClr val="000000"/>
-              </a:buClr>
-              <a:buSzPts val="4400"/>
-              <a:buFont typeface="Arial"/>
-              <a:buNone/>
-            </a:pPr>
-            <a:r>
-              <a:rPr lang="en-US" altLang="ko-KR" sz="1100" b="1" dirty="0" smtClean="0">
-                <a:solidFill>
-                  <a:srgbClr val="6A7B8B"/>
-                </a:solidFill>
-                <a:latin typeface="Malgun Gothic"/>
-                <a:ea typeface="Malgun Gothic"/>
-                <a:cs typeface="Malgun Gothic"/>
-                <a:sym typeface="Malgun Gothic"/>
-              </a:rPr>
-              <a:t>From </a:t>
-            </a:r>
-            <a:r>
-              <a:rPr lang="en-US" altLang="ko-KR" sz="1100" b="1" dirty="0" err="1" smtClean="0">
-                <a:solidFill>
-                  <a:srgbClr val="6A7B8B"/>
-                </a:solidFill>
-                <a:latin typeface="Malgun Gothic"/>
-                <a:ea typeface="Malgun Gothic"/>
-                <a:cs typeface="Malgun Gothic"/>
-                <a:sym typeface="Malgun Gothic"/>
-              </a:rPr>
-              <a:t>GreenAcademy</a:t>
-            </a:r>
-            <a:endParaRPr lang="en-US" altLang="ko-KR" sz="1100" b="1" dirty="0" smtClean="0">
-              <a:solidFill>
-                <a:srgbClr val="6A7B8B"/>
-              </a:solidFill>
-              <a:latin typeface="Malgun Gothic"/>
-              <a:ea typeface="Malgun Gothic"/>
-              <a:cs typeface="Malgun Gothic"/>
-              <a:sym typeface="Malgun Gothic"/>
-            </a:endParaRPr>
-          </a:p>
-          <a:p>
-            <a:pPr algn="r">
-              <a:buSzPts val="4400"/>
-            </a:pPr>
-            <a:r>
-              <a:rPr lang="en-US" altLang="ko-KR" sz="1100" b="1" dirty="0" smtClean="0">
-                <a:solidFill>
-                  <a:srgbClr val="6A7B8B"/>
-                </a:solidFill>
-                <a:latin typeface="Malgun Gothic"/>
-                <a:ea typeface="Malgun Gothic"/>
-                <a:cs typeface="Malgun Gothic"/>
-                <a:sym typeface="Malgun Gothic"/>
-              </a:rPr>
-              <a:t>2022.09.27</a:t>
-            </a:r>
-            <a:endParaRPr lang="en-US" altLang="ko-KR" sz="1100" b="1" dirty="0">
-              <a:solidFill>
-                <a:srgbClr val="6A7B8B"/>
-              </a:solidFill>
-              <a:latin typeface="Malgun Gothic"/>
-              <a:ea typeface="Malgun Gothic"/>
-              <a:cs typeface="Malgun Gothic"/>
-              <a:sym typeface="Malgun Gothic"/>
-            </a:endParaRPr>
-          </a:p>
-          <a:p>
-            <a:pPr marL="0" marR="0" lvl="0" indent="0" algn="r" rtl="0">
-              <a:lnSpc>
-                <a:spcPct val="100000"/>
-              </a:lnSpc>
-              <a:spcBef>
-                <a:spcPts val="0"/>
-              </a:spcBef>
-              <a:spcAft>
-                <a:spcPts val="0"/>
-              </a:spcAft>
-              <a:buClr>
-                <a:srgbClr val="000000"/>
-              </a:buClr>
-              <a:buSzPts val="4400"/>
-              <a:buFont typeface="Arial"/>
-              <a:buNone/>
-            </a:pPr>
-            <a:endParaRPr lang="en-US" altLang="ko-KR" sz="2000" b="1" i="0" u="none" strike="noStrike" cap="none" dirty="0" smtClean="0">
-              <a:solidFill>
-                <a:srgbClr val="6A7B8B"/>
-              </a:solidFill>
-              <a:latin typeface="Malgun Gothic"/>
-              <a:ea typeface="Malgun Gothic"/>
-              <a:cs typeface="Malgun Gothic"/>
-              <a:sym typeface="Malgun Gothic"/>
-            </a:endParaRPr>
-          </a:p>
-          <a:p>
-            <a:pPr marL="0" marR="0" lvl="0" indent="0" algn="r" rtl="0">
-              <a:lnSpc>
-                <a:spcPct val="100000"/>
-              </a:lnSpc>
-              <a:spcBef>
-                <a:spcPts val="0"/>
-              </a:spcBef>
-              <a:spcAft>
-                <a:spcPts val="0"/>
-              </a:spcAft>
-              <a:buClr>
-                <a:srgbClr val="000000"/>
-              </a:buClr>
-              <a:buSzPts val="4400"/>
-              <a:buFont typeface="Arial"/>
-              <a:buNone/>
-            </a:pPr>
-            <a:endParaRPr sz="2000" b="1" i="0" u="none" strike="noStrike" cap="none" dirty="0">
-              <a:solidFill>
-                <a:srgbClr val="6A7B8B"/>
-              </a:solidFill>
-              <a:latin typeface="Malgun Gothic"/>
-              <a:ea typeface="Malgun Gothic"/>
-              <a:cs typeface="Malgun Gothic"/>
-              <a:sym typeface="Malgun Gothic"/>
-            </a:endParaRPr>
-          </a:p>
-        </p:txBody>
-      </p:sp>
-      <p:pic>
-        <p:nvPicPr>
-          <p:cNvPr id="17" name="그림 16"/>
-          <p:cNvPicPr>
-            <a:picLocks noChangeAspect="1"/>
-          </p:cNvPicPr>
-          <p:nvPr/>
-        </p:nvPicPr>
-        <p:blipFill>
-          <a:blip r:embed="rId3"/>
-          <a:stretch>
-            <a:fillRect/>
-          </a:stretch>
-        </p:blipFill>
-        <p:spPr>
-          <a:xfrm>
-            <a:off x="-1" y="-1"/>
-            <a:ext cx="4315693" cy="5143501"/>
-          </a:xfrm>
-          <a:prstGeom prst="rect">
-            <a:avLst/>
-          </a:prstGeom>
-        </p:spPr>
-      </p:pic>
-      <p:sp>
-        <p:nvSpPr>
-          <p:cNvPr id="18" name="직사각형 17"/>
-          <p:cNvSpPr/>
-          <p:nvPr/>
-        </p:nvSpPr>
-        <p:spPr>
-          <a:xfrm>
-            <a:off x="0" y="0"/>
-            <a:ext cx="4315692" cy="5143500"/>
-          </a:xfrm>
-          <a:prstGeom prst="rect">
-            <a:avLst/>
-          </a:prstGeom>
-          <a:solidFill>
-            <a:srgbClr val="A6A6A6">
-              <a:alpha val="50000"/>
-            </a:srgbClr>
-          </a:solidFill>
-          <a:ln>
-            <a:noFill/>
-          </a:ln>
-        </p:spPr>
-        <p:style>
-          <a:lnRef idx="2">
-            <a:schemeClr val="accent1">
-              <a:shade val="50000"/>
-            </a:schemeClr>
-          </a:lnRef>
-          <a:fillRef idx="1">
-            <a:schemeClr val="accent1"/>
-          </a:fillRef>
-          <a:effectRef idx="0">
-            <a:schemeClr val="accent1"/>
-          </a:effectRef>
-          <a:fontRef idx="minor">
-            <a:schemeClr val="lt1"/>
-          </a:fontRef>
-        </p:style>
-        <p:txBody>
-          <a:bodyPr rtlCol="0" anchor="ctr"/>
-          <a:lstStyle/>
-          <a:p>
-            <a:pPr algn="ctr"/>
-            <a:endParaRPr lang="ko-KR" altLang="en-US"/>
-          </a:p>
-        </p:txBody>
-      </p:sp>
       <p:cxnSp>
         <p:nvCxnSpPr>
-          <p:cNvPr id="20" name="직선 연결선 19"/>
+          <p:cNvPr id="23" name="직선 연결선 22"/>
           <p:cNvCxnSpPr/>
           <p:nvPr/>
         </p:nvCxnSpPr>
         <p:spPr>
           <a:xfrm>
-            <a:off x="1026575" y="2816708"/>
-            <a:ext cx="2132069" cy="0"/>
+            <a:off x="-2" y="712969"/>
+            <a:ext cx="2631520" cy="0"/>
           </a:xfrm>
           <a:prstGeom prst="line">
             <a:avLst/>
           </a:prstGeom>
           <a:ln w="12700">
             <a:solidFill>
-              <a:srgbClr val="F0F0F0"/>
-            </a:solidFill>
-          </a:ln>
-        </p:spPr>
-        <p:style>
-          <a:lnRef idx="1">
-            <a:schemeClr val="accent1"/>
-          </a:lnRef>
-          <a:fillRef idx="0">
-            <a:schemeClr val="accent1"/>
-          </a:fillRef>
-          <a:effectRef idx="0">
-            <a:schemeClr val="accent1"/>
-          </a:effectRef>
-          <a:fontRef idx="minor">
-            <a:schemeClr val="tx1"/>
-          </a:fontRef>
-        </p:style>
-      </p:cxnSp>
-      <p:cxnSp>
-        <p:nvCxnSpPr>
-          <p:cNvPr id="21" name="직선 연결선 20"/>
-          <p:cNvCxnSpPr/>
-          <p:nvPr/>
-        </p:nvCxnSpPr>
-        <p:spPr>
-          <a:xfrm>
-            <a:off x="1026575" y="2126671"/>
-            <a:ext cx="2132069" cy="0"/>
-          </a:xfrm>
-          <a:prstGeom prst="line">
-            <a:avLst/>
-          </a:prstGeom>
-          <a:ln w="12700">
-            <a:solidFill>
-              <a:srgbClr val="F0F0F0"/>
+              <a:srgbClr val="6A7B8B"/>
             </a:solidFill>
           </a:ln>
         </p:spPr>
@@ -21557,14 +22086,104 @@
       </p:cxnSp>
       <p:sp>
         <p:nvSpPr>
-          <p:cNvPr id="22" name="Google Shape;130;p1"/>
+          <p:cNvPr id="24" name="Google Shape;130;p1"/>
           <p:cNvSpPr txBox="1"/>
           <p:nvPr/>
         </p:nvSpPr>
         <p:spPr>
           <a:xfrm>
-            <a:off x="991939" y="2183089"/>
-            <a:ext cx="2215389" cy="577200"/>
+            <a:off x="520604" y="52107"/>
+            <a:ext cx="2226933" cy="577200"/>
+          </a:xfrm>
+          <a:prstGeom prst="rect">
+            <a:avLst/>
+          </a:prstGeom>
+          <a:noFill/>
+          <a:ln>
+            <a:noFill/>
+          </a:ln>
+        </p:spPr>
+        <p:txBody>
+          <a:bodyPr spcFirstLastPara="1" wrap="square" lIns="91425" tIns="45700" rIns="91425" bIns="45700" anchor="t" anchorCtr="0">
+            <a:noAutofit/>
+          </a:bodyPr>
+          <a:lstStyle/>
+          <a:p>
+            <a:pPr marL="0" marR="0" lvl="0" indent="0" rtl="0">
+              <a:lnSpc>
+                <a:spcPct val="100000"/>
+              </a:lnSpc>
+              <a:spcBef>
+                <a:spcPts val="0"/>
+              </a:spcBef>
+              <a:spcAft>
+                <a:spcPts val="0"/>
+              </a:spcAft>
+              <a:buClr>
+                <a:srgbClr val="000000"/>
+              </a:buClr>
+              <a:buSzPts val="4400"/>
+              <a:buFont typeface="Arial"/>
+              <a:buNone/>
+            </a:pPr>
+            <a:r>
+              <a:rPr lang="en-US" altLang="ko-KR" sz="1800" b="1" i="0" u="none" strike="noStrike" cap="none" dirty="0" err="1" smtClean="0">
+                <a:solidFill>
+                  <a:srgbClr val="6A7B8B"/>
+                </a:solidFill>
+                <a:latin typeface="Malgun Gothic"/>
+                <a:ea typeface="Malgun Gothic"/>
+                <a:cs typeface="Malgun Gothic"/>
+                <a:sym typeface="Malgun Gothic"/>
+              </a:rPr>
+              <a:t>Github</a:t>
+            </a:r>
+            <a:r>
+              <a:rPr lang="en-US" altLang="ko-KR" sz="1800" b="1" i="0" u="none" strike="noStrike" cap="none" dirty="0" smtClean="0">
+                <a:solidFill>
+                  <a:srgbClr val="6A7B8B"/>
+                </a:solidFill>
+                <a:latin typeface="Malgun Gothic"/>
+                <a:ea typeface="Malgun Gothic"/>
+                <a:cs typeface="Malgun Gothic"/>
+                <a:sym typeface="Malgun Gothic"/>
+              </a:rPr>
+              <a:t> </a:t>
+            </a:r>
+            <a:r>
+              <a:rPr lang="ko-KR" altLang="en-US" sz="1800" b="1" i="0" u="none" strike="noStrike" cap="none" dirty="0" smtClean="0">
+                <a:solidFill>
+                  <a:srgbClr val="6A7B8B"/>
+                </a:solidFill>
+                <a:latin typeface="Malgun Gothic"/>
+                <a:ea typeface="Malgun Gothic"/>
+                <a:cs typeface="Malgun Gothic"/>
+                <a:sym typeface="Malgun Gothic"/>
+              </a:rPr>
+              <a:t>배포</a:t>
+            </a:r>
+            <a:endParaRPr sz="1800" b="1" i="0" u="none" strike="noStrike" cap="none" dirty="0">
+              <a:solidFill>
+                <a:srgbClr val="6A7B8B"/>
+              </a:solidFill>
+              <a:latin typeface="Malgun Gothic"/>
+              <a:ea typeface="Malgun Gothic"/>
+              <a:cs typeface="Malgun Gothic"/>
+              <a:sym typeface="Malgun Gothic"/>
+            </a:endParaRPr>
+          </a:p>
+        </p:txBody>
+      </p:sp>
+      <p:sp>
+        <p:nvSpPr>
+          <p:cNvPr id="25" name="Google Shape;130;p1"/>
+          <p:cNvSpPr txBox="1"/>
+          <p:nvPr/>
+        </p:nvSpPr>
+        <p:spPr>
+          <a:xfrm>
+            <a:off x="0" y="-63887"/>
+            <a:ext cx="636622" cy="577200"/>
           </a:xfrm>
           <a:prstGeom prst="rect">
             <a:avLst/>
@@ -21598,20 +22217,20 @@
               <a:buNone/>
             </a:pPr>
             <a:r>
-              <a:rPr lang="en-US" sz="2800" b="1" i="0" u="none" strike="noStrike" cap="none" dirty="0" smtClean="0">
-                <a:solidFill>
-                  <a:schemeClr val="lt1"/>
+              <a:rPr lang="en-US" altLang="ko-KR" sz="4800" b="1" i="0" u="none" strike="noStrike" cap="none" dirty="0" smtClean="0">
+                <a:solidFill>
+                  <a:srgbClr val="6A7B8B"/>
                 </a:solidFill>
                 <a:latin typeface="Malgun Gothic"/>
                 <a:ea typeface="Malgun Gothic"/>
                 <a:cs typeface="Malgun Gothic"/>
                 <a:sym typeface="Malgun Gothic"/>
               </a:rPr>
-              <a:t>Thank you!</a:t>
+              <a:t>4</a:t>
             </a:r>
-            <a:endParaRPr sz="2800" b="1" i="0" u="none" strike="noStrike" cap="none" dirty="0">
+            <a:endParaRPr sz="4800" b="1" i="0" u="none" strike="noStrike" cap="none" dirty="0">
               <a:solidFill>
-                <a:schemeClr val="lt1"/>
+                <a:srgbClr val="6A7B8B"/>
               </a:solidFill>
               <a:latin typeface="Malgun Gothic"/>
               <a:ea typeface="Malgun Gothic"/>
@@ -21621,10 +22240,238 @@
           </a:p>
         </p:txBody>
       </p:sp>
+      <p:sp>
+        <p:nvSpPr>
+          <p:cNvPr id="27" name="Google Shape;130;p1"/>
+          <p:cNvSpPr txBox="1"/>
+          <p:nvPr/>
+        </p:nvSpPr>
+        <p:spPr>
+          <a:xfrm>
+            <a:off x="520604" y="353407"/>
+            <a:ext cx="2109881" cy="223793"/>
+          </a:xfrm>
+          <a:prstGeom prst="rect">
+            <a:avLst/>
+          </a:prstGeom>
+          <a:noFill/>
+          <a:ln>
+            <a:noFill/>
+          </a:ln>
+        </p:spPr>
+        <p:txBody>
+          <a:bodyPr spcFirstLastPara="1" wrap="square" lIns="91425" tIns="45700" rIns="91425" bIns="45700" anchor="t" anchorCtr="0">
+            <a:noAutofit/>
+          </a:bodyPr>
+          <a:lstStyle/>
+          <a:p>
+            <a:pPr marL="0" marR="0" lvl="0" indent="0" rtl="0">
+              <a:lnSpc>
+                <a:spcPct val="100000"/>
+              </a:lnSpc>
+              <a:spcBef>
+                <a:spcPts val="0"/>
+              </a:spcBef>
+              <a:spcAft>
+                <a:spcPts val="0"/>
+              </a:spcAft>
+              <a:buClr>
+                <a:srgbClr val="000000"/>
+              </a:buClr>
+              <a:buSzPts val="4400"/>
+              <a:buFont typeface="Arial"/>
+              <a:buNone/>
+            </a:pPr>
+            <a:r>
+              <a:rPr lang="en-US" altLang="ko-KR" sz="1100" i="0" u="none" strike="noStrike" cap="none" dirty="0" smtClean="0">
+                <a:solidFill>
+                  <a:srgbClr val="6A7B8B"/>
+                </a:solidFill>
+                <a:latin typeface="Malgun Gothic"/>
+                <a:ea typeface="Malgun Gothic"/>
+                <a:cs typeface="Malgun Gothic"/>
+                <a:sym typeface="Malgun Gothic"/>
+              </a:rPr>
+              <a:t>| </a:t>
+            </a:r>
+            <a:r>
+              <a:rPr lang="ko-KR" altLang="en-US" sz="1100" i="0" u="none" strike="noStrike" cap="none" dirty="0" smtClean="0">
+                <a:solidFill>
+                  <a:srgbClr val="6A7B8B"/>
+                </a:solidFill>
+                <a:latin typeface="Malgun Gothic"/>
+                <a:ea typeface="Malgun Gothic"/>
+                <a:cs typeface="Malgun Gothic"/>
+                <a:sym typeface="Malgun Gothic"/>
+              </a:rPr>
+              <a:t>실제 페이지</a:t>
+            </a:r>
+            <a:endParaRPr sz="1100" i="0" u="none" strike="noStrike" cap="none" dirty="0">
+              <a:solidFill>
+                <a:srgbClr val="6A7B8B"/>
+              </a:solidFill>
+              <a:latin typeface="Malgun Gothic"/>
+              <a:ea typeface="Malgun Gothic"/>
+              <a:cs typeface="Malgun Gothic"/>
+              <a:sym typeface="Malgun Gothic"/>
+            </a:endParaRPr>
+          </a:p>
+        </p:txBody>
+      </p:sp>
+      <p:sp>
+        <p:nvSpPr>
+          <p:cNvPr id="16" name="TextBox 15"/>
+          <p:cNvSpPr txBox="1"/>
+          <p:nvPr/>
+        </p:nvSpPr>
+        <p:spPr>
+          <a:xfrm>
+            <a:off x="989461" y="4652853"/>
+            <a:ext cx="952505" cy="307777"/>
+          </a:xfrm>
+          <a:prstGeom prst="rect">
+            <a:avLst/>
+          </a:prstGeom>
+          <a:noFill/>
+        </p:spPr>
+        <p:txBody>
+          <a:bodyPr wrap="none" rtlCol="0">
+            <a:spAutoFit/>
+          </a:bodyPr>
+          <a:lstStyle/>
+          <a:p>
+            <a:r>
+              <a:rPr lang="ko-KR" altLang="en-US" dirty="0" smtClean="0">
+                <a:solidFill>
+                  <a:srgbClr val="6A7B8B"/>
+                </a:solidFill>
+              </a:rPr>
+              <a:t>지역 구분</a:t>
+            </a:r>
+            <a:endParaRPr lang="en-US" altLang="ko-KR" dirty="0">
+              <a:solidFill>
+                <a:srgbClr val="6A7B8B"/>
+              </a:solidFill>
+            </a:endParaRPr>
+          </a:p>
+        </p:txBody>
+      </p:sp>
+      <p:cxnSp>
+        <p:nvCxnSpPr>
+          <p:cNvPr id="19" name="직선 화살표 연결선 18"/>
+          <p:cNvCxnSpPr/>
+          <p:nvPr/>
+        </p:nvCxnSpPr>
+        <p:spPr>
+          <a:xfrm flipV="1">
+            <a:off x="1832336" y="1659507"/>
+            <a:ext cx="344334" cy="910309"/>
+          </a:xfrm>
+          <a:prstGeom prst="straightConnector1">
+            <a:avLst/>
+          </a:prstGeom>
+          <a:ln w="38100">
+            <a:solidFill>
+              <a:srgbClr val="FF0000"/>
+            </a:solidFill>
+            <a:tailEnd type="triangle"/>
+          </a:ln>
+        </p:spPr>
+        <p:style>
+          <a:lnRef idx="1">
+            <a:schemeClr val="accent1"/>
+          </a:lnRef>
+          <a:fillRef idx="0">
+            <a:schemeClr val="accent1"/>
+          </a:fillRef>
+          <a:effectRef idx="0">
+            <a:schemeClr val="accent1"/>
+          </a:effectRef>
+          <a:fontRef idx="minor">
+            <a:schemeClr val="tx1"/>
+          </a:fontRef>
+        </p:style>
+      </p:cxnSp>
+      <p:sp>
+        <p:nvSpPr>
+          <p:cNvPr id="28" name="TextBox 27"/>
+          <p:cNvSpPr txBox="1"/>
+          <p:nvPr/>
+        </p:nvSpPr>
+        <p:spPr>
+          <a:xfrm>
+            <a:off x="3420016" y="4644460"/>
+            <a:ext cx="1590500" cy="307777"/>
+          </a:xfrm>
+          <a:prstGeom prst="rect">
+            <a:avLst/>
+          </a:prstGeom>
+          <a:noFill/>
+        </p:spPr>
+        <p:txBody>
+          <a:bodyPr wrap="none" rtlCol="0">
+            <a:spAutoFit/>
+          </a:bodyPr>
+          <a:lstStyle/>
+          <a:p>
+            <a:r>
+              <a:rPr lang="ko-KR" altLang="en-US" dirty="0" smtClean="0">
+                <a:solidFill>
+                  <a:srgbClr val="6A7B8B"/>
+                </a:solidFill>
+              </a:rPr>
+              <a:t>구분 및 기호 지정</a:t>
+            </a:r>
+            <a:endParaRPr lang="en-US" altLang="ko-KR" dirty="0">
+              <a:solidFill>
+                <a:srgbClr val="6A7B8B"/>
+              </a:solidFill>
+            </a:endParaRPr>
+          </a:p>
+        </p:txBody>
+      </p:sp>
+      <p:sp>
+        <p:nvSpPr>
+          <p:cNvPr id="30" name="TextBox 29"/>
+          <p:cNvSpPr txBox="1"/>
+          <p:nvPr/>
+        </p:nvSpPr>
+        <p:spPr>
+          <a:xfrm>
+            <a:off x="6477547" y="4601683"/>
+            <a:ext cx="2178802" cy="307777"/>
+          </a:xfrm>
+          <a:prstGeom prst="rect">
+            <a:avLst/>
+          </a:prstGeom>
+          <a:noFill/>
+        </p:spPr>
+        <p:txBody>
+          <a:bodyPr wrap="none" rtlCol="0">
+            <a:spAutoFit/>
+          </a:bodyPr>
+          <a:lstStyle/>
+          <a:p>
+            <a:r>
+              <a:rPr lang="ko-KR" altLang="en-US" dirty="0" smtClean="0">
+                <a:solidFill>
+                  <a:srgbClr val="6A7B8B"/>
+                </a:solidFill>
+              </a:rPr>
+              <a:t>테이블 이용 갤러리 구현</a:t>
+            </a:r>
+            <a:endParaRPr lang="en-US" altLang="ko-KR" dirty="0">
+              <a:solidFill>
+                <a:srgbClr val="6A7B8B"/>
+              </a:solidFill>
+            </a:endParaRPr>
+          </a:p>
+        </p:txBody>
+      </p:sp>
     </p:spTree>
     <p:extLst>
       <p:ext uri="{BB962C8B-B14F-4D97-AF65-F5344CB8AC3E}">
-        <p14:creationId xmlns:p14="http://schemas.microsoft.com/office/powerpoint/2010/main" val="3850209248"/>
+        <p14:creationId xmlns:p14="http://schemas.microsoft.com/office/powerpoint/2010/main" val="2474794526"/>
       </p:ext>
     </p:extLst>
   </p:cSld>

--- a/RegularExam/03/화면 설계_김동근.pptx
+++ b/RegularExam/03/화면 설계_김동근.pptx
@@ -266,7 +266,7 @@
       </p15:sldGuideLst>
     </p:ext>
     <p:ext uri="http://customooxmlschemas.google.com/">
-      <go:slidesCustomData xmlns:go="http://customooxmlschemas.google.com/" xmlns:ahyp="http://schemas.microsoft.com/office/drawing/2018/hyperlinkcolor" xmlns:p15="http://schemas.microsoft.com/office/powerpoint/2012/main" xmlns:p14="http://schemas.microsoft.com/office/powerpoint/2010/main" xmlns:com="http://schemas.openxmlformats.org/drawingml/2006/compatibility" xmlns:pvml="urn:schemas-microsoft-com:office:powerpoint" xmlns:v="urn:schemas-microsoft-com:vml" xmlns:o="urn:schemas-microsoft-com:office:office" xmlns:dgm="http://schemas.openxmlformats.org/drawingml/2006/diagram" xmlns:c="http://schemas.openxmlformats.org/drawingml/2006/chart" xmlns:mv="urn:schemas-microsoft-com:mac:vml" xmlns:mc="http://schemas.openxmlformats.org/markup-compatibility/2006" xmlns="" r:id="rId20" roundtripDataSignature="AMtx7mgKLaA63WADqDsYhnMZfjVPdvtNPQ=="/>
+      <go:slidesCustomData xmlns="" xmlns:mc="http://schemas.openxmlformats.org/markup-compatibility/2006" xmlns:mv="urn:schemas-microsoft-com:mac:vml" xmlns:c="http://schemas.openxmlformats.org/drawingml/2006/chart" xmlns:dgm="http://schemas.openxmlformats.org/drawingml/2006/diagram" xmlns:o="urn:schemas-microsoft-com:office:office" xmlns:v="urn:schemas-microsoft-com:vml" xmlns:pvml="urn:schemas-microsoft-com:office:powerpoint" xmlns:com="http://schemas.openxmlformats.org/drawingml/2006/compatibility" xmlns:p14="http://schemas.microsoft.com/office/powerpoint/2010/main" xmlns:p15="http://schemas.microsoft.com/office/powerpoint/2012/main" xmlns:ahyp="http://schemas.microsoft.com/office/drawing/2018/hyperlinkcolor" xmlns:go="http://customooxmlschemas.google.com/" r:id="rId20" roundtripDataSignature="AMtx7mgKLaA63WADqDsYhnMZfjVPdvtNPQ=="/>
     </p:ext>
   </p:extLst>
 </p:presentation>
@@ -18597,11 +18597,6 @@
                 </a:rPr>
                 <a:t>4</a:t>
               </a:r>
-              <a:endParaRPr lang="en-US" altLang="ko-KR" sz="4800" b="1" dirty="0" smtClean="0">
-                <a:solidFill>
-                  <a:srgbClr val="6A7B8B"/>
-                </a:solidFill>
-              </a:endParaRPr>
             </a:p>
           </p:txBody>
         </p:sp>
@@ -22326,8 +22321,8 @@
         </p:nvSpPr>
         <p:spPr>
           <a:xfrm>
-            <a:off x="989461" y="4652853"/>
-            <a:ext cx="952505" cy="307777"/>
+            <a:off x="636622" y="776718"/>
+            <a:ext cx="7774885" cy="738664"/>
           </a:xfrm>
           <a:prstGeom prst="rect">
             <a:avLst/>
@@ -22341,13 +22336,55 @@
           <a:lstStyle/>
           <a:p>
             <a:r>
-              <a:rPr lang="ko-KR" altLang="en-US" dirty="0" smtClean="0">
+              <a:rPr lang="en-US" altLang="ko-KR" dirty="0">
                 <a:solidFill>
                   <a:srgbClr val="6A7B8B"/>
                 </a:solidFill>
+                <a:hlinkClick r:id="rId3"/>
               </a:rPr>
-              <a:t>지역 구분</a:t>
+              <a:t>https://</a:t>
             </a:r>
+            <a:r>
+              <a:rPr lang="en-US" altLang="ko-KR" dirty="0" smtClean="0">
+                <a:solidFill>
+                  <a:srgbClr val="6A7B8B"/>
+                </a:solidFill>
+                <a:hlinkClick r:id="rId3"/>
+              </a:rPr>
+              <a:t>kimdonggeun200418.github.io/GreenAcademy/HTML/Regular%20Exam/Tour/layout.html</a:t>
+            </a:r>
+            <a:endParaRPr lang="en-US" altLang="ko-KR" dirty="0" smtClean="0">
+              <a:solidFill>
+                <a:srgbClr val="6A7B8B"/>
+              </a:solidFill>
+            </a:endParaRPr>
+          </a:p>
+          <a:p>
+            <a:r>
+              <a:rPr lang="en-US" altLang="ko-KR" dirty="0">
+                <a:solidFill>
+                  <a:srgbClr val="6A7B8B"/>
+                </a:solidFill>
+                <a:hlinkClick r:id="rId4"/>
+              </a:rPr>
+              <a:t>https://</a:t>
+            </a:r>
+            <a:r>
+              <a:rPr lang="en-US" altLang="ko-KR" dirty="0" smtClean="0">
+                <a:solidFill>
+                  <a:srgbClr val="6A7B8B"/>
+                </a:solidFill>
+                <a:hlinkClick r:id="rId4"/>
+              </a:rPr>
+              <a:t>kimdonggeun200418.github.io/GreenAcademy/HTML/Regular%20Exam/Tour/main.html</a:t>
+            </a:r>
+            <a:endParaRPr lang="en-US" altLang="ko-KR" dirty="0" smtClean="0">
+              <a:solidFill>
+                <a:srgbClr val="6A7B8B"/>
+              </a:solidFill>
+            </a:endParaRPr>
+          </a:p>
+          <a:p>
             <a:endParaRPr lang="en-US" altLang="ko-KR" dirty="0">
               <a:solidFill>
                 <a:srgbClr val="6A7B8B"/>
@@ -22356,42 +22393,6 @@
           </a:p>
         </p:txBody>
       </p:sp>
-      <p:cxnSp>
-        <p:nvCxnSpPr>
-          <p:cNvPr id="19" name="직선 화살표 연결선 18"/>
-          <p:cNvCxnSpPr/>
-          <p:nvPr/>
-        </p:nvCxnSpPr>
-        <p:spPr>
-          <a:xfrm flipV="1">
-            <a:off x="1832336" y="1659507"/>
-            <a:ext cx="344334" cy="910309"/>
-          </a:xfrm>
-          <a:prstGeom prst="straightConnector1">
-            <a:avLst/>
-          </a:prstGeom>
-          <a:ln w="38100">
-            <a:solidFill>
-              <a:srgbClr val="FF0000"/>
-            </a:solidFill>
-            <a:tailEnd type="triangle"/>
-          </a:ln>
-        </p:spPr>
-        <p:style>
-          <a:lnRef idx="1">
-            <a:schemeClr val="accent1"/>
-          </a:lnRef>
-          <a:fillRef idx="0">
-            <a:schemeClr val="accent1"/>
-          </a:fillRef>
-          <a:effectRef idx="0">
-            <a:schemeClr val="accent1"/>
-          </a:effectRef>
-          <a:fontRef idx="minor">
-            <a:schemeClr val="tx1"/>
-          </a:fontRef>
-        </p:style>
-      </p:cxnSp>
       <p:sp>
         <p:nvSpPr>
           <p:cNvPr id="28" name="TextBox 27"/>
@@ -22400,8 +22401,8 @@
         </p:nvSpPr>
         <p:spPr>
           <a:xfrm>
-            <a:off x="3420016" y="4644460"/>
-            <a:ext cx="1590500" cy="307777"/>
+            <a:off x="1883807" y="4624447"/>
+            <a:ext cx="1050288" cy="307777"/>
           </a:xfrm>
           <a:prstGeom prst="rect">
             <a:avLst/>
@@ -22415,12 +22416,12 @@
           <a:lstStyle/>
           <a:p>
             <a:r>
-              <a:rPr lang="ko-KR" altLang="en-US" dirty="0" smtClean="0">
+              <a:rPr lang="en-US" altLang="ko-KR" dirty="0" smtClean="0">
                 <a:solidFill>
                   <a:srgbClr val="6A7B8B"/>
                 </a:solidFill>
               </a:rPr>
-              <a:t>구분 및 기호 지정</a:t>
+              <a:t>layout.html</a:t>
             </a:r>
             <a:endParaRPr lang="en-US" altLang="ko-KR" dirty="0">
               <a:solidFill>
@@ -22438,8 +22439,8 @@
         </p:nvSpPr>
         <p:spPr>
           <a:xfrm>
-            <a:off x="6477547" y="4601683"/>
-            <a:ext cx="2178802" cy="307777"/>
+            <a:off x="5583026" y="4624447"/>
+            <a:ext cx="960519" cy="307777"/>
           </a:xfrm>
           <a:prstGeom prst="rect">
             <a:avLst/>
@@ -22453,12 +22454,12 @@
           <a:lstStyle/>
           <a:p>
             <a:r>
-              <a:rPr lang="ko-KR" altLang="en-US" dirty="0" smtClean="0">
+              <a:rPr lang="en-US" altLang="ko-KR" dirty="0" smtClean="0">
                 <a:solidFill>
                   <a:srgbClr val="6A7B8B"/>
                 </a:solidFill>
               </a:rPr>
-              <a:t>테이블 이용 갤러리 구현</a:t>
+              <a:t>main.html</a:t>
             </a:r>
             <a:endParaRPr lang="en-US" altLang="ko-KR" dirty="0">
               <a:solidFill>
@@ -22468,6 +22469,54 @@
           </a:p>
         </p:txBody>
       </p:sp>
+      <p:pic>
+        <p:nvPicPr>
+          <p:cNvPr id="2" name="그림 1"/>
+          <p:cNvPicPr>
+            <a:picLocks noChangeAspect="1"/>
+          </p:cNvPicPr>
+          <p:nvPr/>
+        </p:nvPicPr>
+        <p:blipFill>
+          <a:blip r:embed="rId5"/>
+          <a:stretch>
+            <a:fillRect/>
+          </a:stretch>
+        </p:blipFill>
+        <p:spPr>
+          <a:xfrm>
+            <a:off x="1150040" y="1359070"/>
+            <a:ext cx="2577134" cy="3094127"/>
+          </a:xfrm>
+          <a:prstGeom prst="rect">
+            <a:avLst/>
+          </a:prstGeom>
+        </p:spPr>
+      </p:pic>
+      <p:pic>
+        <p:nvPicPr>
+          <p:cNvPr id="3" name="그림 2"/>
+          <p:cNvPicPr>
+            <a:picLocks noChangeAspect="1"/>
+          </p:cNvPicPr>
+          <p:nvPr/>
+        </p:nvPicPr>
+        <p:blipFill>
+          <a:blip r:embed="rId6"/>
+          <a:stretch>
+            <a:fillRect/>
+          </a:stretch>
+        </p:blipFill>
+        <p:spPr>
+          <a:xfrm>
+            <a:off x="4738388" y="1359069"/>
+            <a:ext cx="2487360" cy="3090729"/>
+          </a:xfrm>
+          <a:prstGeom prst="rect">
+            <a:avLst/>
+          </a:prstGeom>
+        </p:spPr>
+      </p:pic>
     </p:spTree>
     <p:extLst>
       <p:ext uri="{BB962C8B-B14F-4D97-AF65-F5344CB8AC3E}">
